--- a/src_latex/present.pptx
+++ b/src_latex/present.pptx
@@ -11,6 +11,12 @@
     <p:sldId id="259" r:id="rId5"/>
     <p:sldId id="260" r:id="rId6"/>
     <p:sldId id="261" r:id="rId7"/>
+    <p:sldId id="263" r:id="rId8"/>
+    <p:sldId id="264" r:id="rId9"/>
+    <p:sldId id="262" r:id="rId10"/>
+    <p:sldId id="267" r:id="rId11"/>
+    <p:sldId id="265" r:id="rId12"/>
+    <p:sldId id="266" r:id="rId13"/>
   </p:sldIdLst>
   <p:sldSz cx="12192000" cy="6858000"/>
   <p:notesSz cx="6858000" cy="9144000"/>
@@ -109,6 +115,11 @@
       </a:defRPr>
     </a:lvl9pPr>
   </p:defaultTextStyle>
+  <p:extLst>
+    <p:ext uri="{EFAFB233-063F-42B5-8137-9DF3F51BA10A}">
+      <p15:sldGuideLst xmlns:p15="http://schemas.microsoft.com/office/powerpoint/2012/main"/>
+    </p:ext>
+  </p:extLst>
 </p:presentation>
 </file>
 
@@ -261,7 +272,7 @@
           <a:p>
             <a:fld id="{8E126E63-5262-4186-B021-369D26F23E36}" type="datetimeFigureOut">
               <a:rPr lang="ru-RU" smtClean="0"/>
-              <a:t>11.05.2024</a:t>
+              <a:t>14.05.2024</a:t>
             </a:fld>
             <a:endParaRPr lang="ru-RU"/>
           </a:p>
@@ -461,7 +472,7 @@
           <a:p>
             <a:fld id="{8E126E63-5262-4186-B021-369D26F23E36}" type="datetimeFigureOut">
               <a:rPr lang="ru-RU" smtClean="0"/>
-              <a:t>11.05.2024</a:t>
+              <a:t>14.05.2024</a:t>
             </a:fld>
             <a:endParaRPr lang="ru-RU"/>
           </a:p>
@@ -671,7 +682,7 @@
           <a:p>
             <a:fld id="{8E126E63-5262-4186-B021-369D26F23E36}" type="datetimeFigureOut">
               <a:rPr lang="ru-RU" smtClean="0"/>
-              <a:t>11.05.2024</a:t>
+              <a:t>14.05.2024</a:t>
             </a:fld>
             <a:endParaRPr lang="ru-RU"/>
           </a:p>
@@ -871,7 +882,7 @@
           <a:p>
             <a:fld id="{8E126E63-5262-4186-B021-369D26F23E36}" type="datetimeFigureOut">
               <a:rPr lang="ru-RU" smtClean="0"/>
-              <a:t>11.05.2024</a:t>
+              <a:t>14.05.2024</a:t>
             </a:fld>
             <a:endParaRPr lang="ru-RU"/>
           </a:p>
@@ -1147,7 +1158,7 @@
           <a:p>
             <a:fld id="{8E126E63-5262-4186-B021-369D26F23E36}" type="datetimeFigureOut">
               <a:rPr lang="ru-RU" smtClean="0"/>
-              <a:t>11.05.2024</a:t>
+              <a:t>14.05.2024</a:t>
             </a:fld>
             <a:endParaRPr lang="ru-RU"/>
           </a:p>
@@ -1415,7 +1426,7 @@
           <a:p>
             <a:fld id="{8E126E63-5262-4186-B021-369D26F23E36}" type="datetimeFigureOut">
               <a:rPr lang="ru-RU" smtClean="0"/>
-              <a:t>11.05.2024</a:t>
+              <a:t>14.05.2024</a:t>
             </a:fld>
             <a:endParaRPr lang="ru-RU"/>
           </a:p>
@@ -1830,7 +1841,7 @@
           <a:p>
             <a:fld id="{8E126E63-5262-4186-B021-369D26F23E36}" type="datetimeFigureOut">
               <a:rPr lang="ru-RU" smtClean="0"/>
-              <a:t>11.05.2024</a:t>
+              <a:t>14.05.2024</a:t>
             </a:fld>
             <a:endParaRPr lang="ru-RU"/>
           </a:p>
@@ -1972,7 +1983,7 @@
           <a:p>
             <a:fld id="{8E126E63-5262-4186-B021-369D26F23E36}" type="datetimeFigureOut">
               <a:rPr lang="ru-RU" smtClean="0"/>
-              <a:t>11.05.2024</a:t>
+              <a:t>14.05.2024</a:t>
             </a:fld>
             <a:endParaRPr lang="ru-RU"/>
           </a:p>
@@ -2085,7 +2096,7 @@
           <a:p>
             <a:fld id="{8E126E63-5262-4186-B021-369D26F23E36}" type="datetimeFigureOut">
               <a:rPr lang="ru-RU" smtClean="0"/>
-              <a:t>11.05.2024</a:t>
+              <a:t>14.05.2024</a:t>
             </a:fld>
             <a:endParaRPr lang="ru-RU"/>
           </a:p>
@@ -2398,7 +2409,7 @@
           <a:p>
             <a:fld id="{8E126E63-5262-4186-B021-369D26F23E36}" type="datetimeFigureOut">
               <a:rPr lang="ru-RU" smtClean="0"/>
-              <a:t>11.05.2024</a:t>
+              <a:t>14.05.2024</a:t>
             </a:fld>
             <a:endParaRPr lang="ru-RU"/>
           </a:p>
@@ -2687,7 +2698,7 @@
           <a:p>
             <a:fld id="{8E126E63-5262-4186-B021-369D26F23E36}" type="datetimeFigureOut">
               <a:rPr lang="ru-RU" smtClean="0"/>
-              <a:t>11.05.2024</a:t>
+              <a:t>14.05.2024</a:t>
             </a:fld>
             <a:endParaRPr lang="ru-RU"/>
           </a:p>
@@ -2930,7 +2941,7 @@
           <a:p>
             <a:fld id="{8E126E63-5262-4186-B021-369D26F23E36}" type="datetimeFigureOut">
               <a:rPr lang="ru-RU" smtClean="0"/>
-              <a:t>11.05.2024</a:t>
+              <a:t>14.05.2024</a:t>
             </a:fld>
             <a:endParaRPr lang="ru-RU"/>
           </a:p>
@@ -3468,6 +3479,500 @@
 </p:sld>
 </file>
 
+<file path=ppt/slides/slide10.xml><?xml version="1.0" encoding="utf-8"?>
+<p:sld xmlns:a="http://schemas.openxmlformats.org/drawingml/2006/main" xmlns:r="http://schemas.openxmlformats.org/officeDocument/2006/relationships" xmlns:p="http://schemas.openxmlformats.org/presentationml/2006/main">
+  <p:cSld>
+    <p:spTree>
+      <p:nvGrpSpPr>
+        <p:cNvPr id="1" name=""/>
+        <p:cNvGrpSpPr/>
+        <p:nvPr/>
+      </p:nvGrpSpPr>
+      <p:grpSpPr>
+        <a:xfrm>
+          <a:off x="0" y="0"/>
+          <a:ext cx="0" cy="0"/>
+          <a:chOff x="0" y="0"/>
+          <a:chExt cx="0" cy="0"/>
+        </a:xfrm>
+      </p:grpSpPr>
+      <p:sp>
+        <p:nvSpPr>
+          <p:cNvPr id="2" name="Title 1">
+            <a:extLst>
+              <a:ext uri="{FF2B5EF4-FFF2-40B4-BE49-F238E27FC236}">
+                <a16:creationId xmlns:a16="http://schemas.microsoft.com/office/drawing/2014/main" id="{8B213F69-28FC-3151-BD86-F828D5F999A9}"/>
+              </a:ext>
+            </a:extLst>
+          </p:cNvPr>
+          <p:cNvSpPr>
+            <a:spLocks noGrp="1"/>
+          </p:cNvSpPr>
+          <p:nvPr>
+            <p:ph type="title"/>
+          </p:nvPr>
+        </p:nvSpPr>
+        <p:spPr/>
+        <p:txBody>
+          <a:bodyPr/>
+          <a:lstStyle/>
+          <a:p>
+            <a:r>
+              <a:rPr lang="ru-RU" dirty="0"/>
+              <a:t>Результаты решения</a:t>
+            </a:r>
+          </a:p>
+        </p:txBody>
+      </p:sp>
+      <p:sp>
+        <p:nvSpPr>
+          <p:cNvPr id="3" name="Content Placeholder 2">
+            <a:extLst>
+              <a:ext uri="{FF2B5EF4-FFF2-40B4-BE49-F238E27FC236}">
+                <a16:creationId xmlns:a16="http://schemas.microsoft.com/office/drawing/2014/main" id="{D9469674-4913-F9BE-3D81-B31D27907842}"/>
+              </a:ext>
+            </a:extLst>
+          </p:cNvPr>
+          <p:cNvSpPr>
+            <a:spLocks noGrp="1"/>
+          </p:cNvSpPr>
+          <p:nvPr>
+            <p:ph idx="1"/>
+          </p:nvPr>
+        </p:nvSpPr>
+        <p:spPr/>
+        <p:txBody>
+          <a:bodyPr/>
+          <a:lstStyle/>
+          <a:p>
+            <a:r>
+              <a:rPr lang="ru-RU" dirty="0"/>
+              <a:t>Решение проводилось на ПК со следущими характеристиками:</a:t>
+            </a:r>
+          </a:p>
+          <a:p>
+            <a:pPr lvl="1"/>
+            <a:r>
+              <a:rPr lang="ru-RU" dirty="0"/>
+              <a:t>Процессор: </a:t>
+            </a:r>
+            <a:r>
+              <a:rPr lang="en-US" dirty="0"/>
+              <a:t>Ryzen 5 5500U</a:t>
+            </a:r>
+          </a:p>
+          <a:p>
+            <a:pPr lvl="1"/>
+            <a:r>
+              <a:rPr lang="ru-RU" dirty="0"/>
+              <a:t>Оперативная память: </a:t>
+            </a:r>
+            <a:r>
+              <a:rPr lang="en-US" dirty="0">
+                <a:latin typeface="Times New Roman" panose="02020603050405020304" pitchFamily="18" charset="0"/>
+                <a:cs typeface="Times New Roman" panose="02020603050405020304" pitchFamily="18" charset="0"/>
+              </a:rPr>
+              <a:t>16Gb DDR4 (2x8Gb)</a:t>
+            </a:r>
+          </a:p>
+          <a:p>
+            <a:r>
+              <a:rPr lang="ru-RU" dirty="0">
+                <a:latin typeface="Times New Roman" panose="02020603050405020304" pitchFamily="18" charset="0"/>
+                <a:cs typeface="Times New Roman" panose="02020603050405020304" pitchFamily="18" charset="0"/>
+              </a:rPr>
+              <a:t>Решение для 60 кадров и 1000 точек (пространство 10</a:t>
+            </a:r>
+            <a:r>
+              <a:rPr lang="en-US" dirty="0">
+                <a:latin typeface="Times New Roman" panose="02020603050405020304" pitchFamily="18" charset="0"/>
+                <a:cs typeface="Times New Roman" panose="02020603050405020304" pitchFamily="18" charset="0"/>
+              </a:rPr>
+              <a:t>x</a:t>
+            </a:r>
+            <a:r>
+              <a:rPr lang="ru-RU" dirty="0">
+                <a:latin typeface="Times New Roman" panose="02020603050405020304" pitchFamily="18" charset="0"/>
+                <a:cs typeface="Times New Roman" panose="02020603050405020304" pitchFamily="18" charset="0"/>
+              </a:rPr>
+              <a:t>10</a:t>
+            </a:r>
+            <a:r>
+              <a:rPr lang="en-US" dirty="0">
+                <a:latin typeface="Times New Roman" panose="02020603050405020304" pitchFamily="18" charset="0"/>
+                <a:cs typeface="Times New Roman" panose="02020603050405020304" pitchFamily="18" charset="0"/>
+              </a:rPr>
+              <a:t>x</a:t>
+            </a:r>
+            <a:r>
+              <a:rPr lang="ru-RU" dirty="0">
+                <a:latin typeface="Times New Roman" panose="02020603050405020304" pitchFamily="18" charset="0"/>
+                <a:cs typeface="Times New Roman" panose="02020603050405020304" pitchFamily="18" charset="0"/>
+              </a:rPr>
+              <a:t>10) заняло всего 0.0943 секунды</a:t>
+            </a:r>
+            <a:endParaRPr lang="en-US" dirty="0">
+              <a:latin typeface="Times New Roman" panose="02020603050405020304" pitchFamily="18" charset="0"/>
+              <a:cs typeface="Times New Roman" panose="02020603050405020304" pitchFamily="18" charset="0"/>
+            </a:endParaRPr>
+          </a:p>
+        </p:txBody>
+      </p:sp>
+    </p:spTree>
+    <p:extLst>
+      <p:ext uri="{BB962C8B-B14F-4D97-AF65-F5344CB8AC3E}">
+        <p14:creationId xmlns:p14="http://schemas.microsoft.com/office/powerpoint/2010/main" val="2495506578"/>
+      </p:ext>
+    </p:extLst>
+  </p:cSld>
+  <p:clrMapOvr>
+    <a:masterClrMapping/>
+  </p:clrMapOvr>
+</p:sld>
+</file>
+
+<file path=ppt/slides/slide11.xml><?xml version="1.0" encoding="utf-8"?>
+<p:sld xmlns:a="http://schemas.openxmlformats.org/drawingml/2006/main" xmlns:r="http://schemas.openxmlformats.org/officeDocument/2006/relationships" xmlns:p="http://schemas.openxmlformats.org/presentationml/2006/main">
+  <p:cSld>
+    <p:spTree>
+      <p:nvGrpSpPr>
+        <p:cNvPr id="1" name=""/>
+        <p:cNvGrpSpPr/>
+        <p:nvPr/>
+      </p:nvGrpSpPr>
+      <p:grpSpPr>
+        <a:xfrm>
+          <a:off x="0" y="0"/>
+          <a:ext cx="0" cy="0"/>
+          <a:chOff x="0" y="0"/>
+          <a:chExt cx="0" cy="0"/>
+        </a:xfrm>
+      </p:grpSpPr>
+      <p:sp>
+        <p:nvSpPr>
+          <p:cNvPr id="2" name="Title 1">
+            <a:extLst>
+              <a:ext uri="{FF2B5EF4-FFF2-40B4-BE49-F238E27FC236}">
+                <a16:creationId xmlns:a16="http://schemas.microsoft.com/office/drawing/2014/main" id="{D2FEF2E0-822C-E190-722B-832CE5A04D46}"/>
+              </a:ext>
+            </a:extLst>
+          </p:cNvPr>
+          <p:cNvSpPr>
+            <a:spLocks noGrp="1"/>
+          </p:cNvSpPr>
+          <p:nvPr>
+            <p:ph type="title"/>
+          </p:nvPr>
+        </p:nvSpPr>
+        <p:spPr/>
+        <p:txBody>
+          <a:bodyPr/>
+          <a:lstStyle/>
+          <a:p>
+            <a:r>
+              <a:rPr lang="ru-RU" dirty="0">
+                <a:latin typeface="Times New Roman" panose="02020603050405020304" pitchFamily="18" charset="0"/>
+                <a:cs typeface="Times New Roman" panose="02020603050405020304" pitchFamily="18" charset="0"/>
+              </a:rPr>
+              <a:t>Результаты решения</a:t>
+            </a:r>
+          </a:p>
+        </p:txBody>
+      </p:sp>
+      <p:sp>
+        <p:nvSpPr>
+          <p:cNvPr id="4" name="Content Placeholder 3">
+            <a:extLst>
+              <a:ext uri="{FF2B5EF4-FFF2-40B4-BE49-F238E27FC236}">
+                <a16:creationId xmlns:a16="http://schemas.microsoft.com/office/drawing/2014/main" id="{8B398B1F-4301-9A8D-0EE3-580C52AC38D9}"/>
+              </a:ext>
+            </a:extLst>
+          </p:cNvPr>
+          <p:cNvSpPr>
+            <a:spLocks noGrp="1"/>
+          </p:cNvSpPr>
+          <p:nvPr>
+            <p:ph idx="1"/>
+          </p:nvPr>
+        </p:nvSpPr>
+        <p:spPr/>
+        <p:txBody>
+          <a:bodyPr>
+            <a:normAutofit fontScale="92500" lnSpcReduction="20000"/>
+          </a:bodyPr>
+          <a:lstStyle/>
+          <a:p>
+            <a:pPr marL="0" indent="0">
+              <a:buNone/>
+            </a:pPr>
+            <a:r>
+              <a:rPr lang="ru-RU" dirty="0">
+                <a:latin typeface="Times New Roman" panose="02020603050405020304" pitchFamily="18" charset="0"/>
+                <a:cs typeface="Times New Roman" panose="02020603050405020304" pitchFamily="18" charset="0"/>
+              </a:rPr>
+              <a:t>Точность при t = 0:</a:t>
+            </a:r>
+            <a:endParaRPr lang="en-US" dirty="0">
+              <a:latin typeface="Times New Roman" panose="02020603050405020304" pitchFamily="18" charset="0"/>
+              <a:cs typeface="Times New Roman" panose="02020603050405020304" pitchFamily="18" charset="0"/>
+            </a:endParaRPr>
+          </a:p>
+          <a:p>
+            <a:r>
+              <a:rPr lang="ru-RU" dirty="0">
+                <a:latin typeface="Times New Roman" panose="02020603050405020304" pitchFamily="18" charset="0"/>
+                <a:cs typeface="Times New Roman" panose="02020603050405020304" pitchFamily="18" charset="0"/>
+              </a:rPr>
+              <a:t>Среднее значение остатка: 0,007929458</a:t>
+            </a:r>
+            <a:endParaRPr lang="en-US" dirty="0">
+              <a:latin typeface="Times New Roman" panose="02020603050405020304" pitchFamily="18" charset="0"/>
+              <a:cs typeface="Times New Roman" panose="02020603050405020304" pitchFamily="18" charset="0"/>
+            </a:endParaRPr>
+          </a:p>
+          <a:p>
+            <a:r>
+              <a:rPr lang="ru-RU" dirty="0">
+                <a:latin typeface="Times New Roman" panose="02020603050405020304" pitchFamily="18" charset="0"/>
+                <a:cs typeface="Times New Roman" panose="02020603050405020304" pitchFamily="18" charset="0"/>
+              </a:rPr>
+              <a:t>Относительная погрешность L2 в u: 0,00041917883026130803</a:t>
+            </a:r>
+            <a:endParaRPr lang="en-US" dirty="0">
+              <a:latin typeface="Times New Roman" panose="02020603050405020304" pitchFamily="18" charset="0"/>
+              <a:cs typeface="Times New Roman" panose="02020603050405020304" pitchFamily="18" charset="0"/>
+            </a:endParaRPr>
+          </a:p>
+          <a:p>
+            <a:r>
+              <a:rPr lang="ru-RU" dirty="0">
+                <a:latin typeface="Times New Roman" panose="02020603050405020304" pitchFamily="18" charset="0"/>
+                <a:cs typeface="Times New Roman" panose="02020603050405020304" pitchFamily="18" charset="0"/>
+              </a:rPr>
+              <a:t>Относительная погрешность L2 в v: 0,00038469082252401253</a:t>
+            </a:r>
+            <a:endParaRPr lang="en-US" dirty="0">
+              <a:latin typeface="Times New Roman" panose="02020603050405020304" pitchFamily="18" charset="0"/>
+              <a:cs typeface="Times New Roman" panose="02020603050405020304" pitchFamily="18" charset="0"/>
+            </a:endParaRPr>
+          </a:p>
+          <a:p>
+            <a:r>
+              <a:rPr lang="ru-RU" dirty="0">
+                <a:latin typeface="Times New Roman" panose="02020603050405020304" pitchFamily="18" charset="0"/>
+                <a:cs typeface="Times New Roman" panose="02020603050405020304" pitchFamily="18" charset="0"/>
+              </a:rPr>
+              <a:t>Относительная погрешность L2 в w: 0,000385670664211724</a:t>
+            </a:r>
+            <a:endParaRPr lang="en-US" dirty="0">
+              <a:latin typeface="Times New Roman" panose="02020603050405020304" pitchFamily="18" charset="0"/>
+              <a:cs typeface="Times New Roman" panose="02020603050405020304" pitchFamily="18" charset="0"/>
+            </a:endParaRPr>
+          </a:p>
+          <a:p>
+            <a:pPr marL="0" indent="0">
+              <a:buNone/>
+            </a:pPr>
+            <a:r>
+              <a:rPr lang="ru-RU" dirty="0">
+                <a:latin typeface="Times New Roman" panose="02020603050405020304" pitchFamily="18" charset="0"/>
+                <a:cs typeface="Times New Roman" panose="02020603050405020304" pitchFamily="18" charset="0"/>
+              </a:rPr>
+              <a:t>Точность при t = 1:</a:t>
+            </a:r>
+            <a:endParaRPr lang="en-US" dirty="0">
+              <a:latin typeface="Times New Roman" panose="02020603050405020304" pitchFamily="18" charset="0"/>
+              <a:cs typeface="Times New Roman" panose="02020603050405020304" pitchFamily="18" charset="0"/>
+            </a:endParaRPr>
+          </a:p>
+          <a:p>
+            <a:r>
+              <a:rPr lang="ru-RU" dirty="0">
+                <a:latin typeface="Times New Roman" panose="02020603050405020304" pitchFamily="18" charset="0"/>
+                <a:cs typeface="Times New Roman" panose="02020603050405020304" pitchFamily="18" charset="0"/>
+              </a:rPr>
+              <a:t>Среднее значение остатка: 0,0039168377</a:t>
+            </a:r>
+            <a:endParaRPr lang="en-US" dirty="0">
+              <a:latin typeface="Times New Roman" panose="02020603050405020304" pitchFamily="18" charset="0"/>
+              <a:cs typeface="Times New Roman" panose="02020603050405020304" pitchFamily="18" charset="0"/>
+            </a:endParaRPr>
+          </a:p>
+          <a:p>
+            <a:r>
+              <a:rPr lang="ru-RU" dirty="0">
+                <a:latin typeface="Times New Roman" panose="02020603050405020304" pitchFamily="18" charset="0"/>
+                <a:cs typeface="Times New Roman" panose="02020603050405020304" pitchFamily="18" charset="0"/>
+              </a:rPr>
+              <a:t>Относительная погрешность L2 в u: 0,0012206608559471044</a:t>
+            </a:r>
+            <a:endParaRPr lang="en-US" dirty="0">
+              <a:latin typeface="Times New Roman" panose="02020603050405020304" pitchFamily="18" charset="0"/>
+              <a:cs typeface="Times New Roman" panose="02020603050405020304" pitchFamily="18" charset="0"/>
+            </a:endParaRPr>
+          </a:p>
+          <a:p>
+            <a:r>
+              <a:rPr lang="ru-RU" dirty="0">
+                <a:latin typeface="Times New Roman" panose="02020603050405020304" pitchFamily="18" charset="0"/>
+                <a:cs typeface="Times New Roman" panose="02020603050405020304" pitchFamily="18" charset="0"/>
+              </a:rPr>
+              <a:t>Относительная погрешность L2 в v: 0,0009198581299199083</a:t>
+            </a:r>
+            <a:endParaRPr lang="en-US" dirty="0">
+              <a:latin typeface="Times New Roman" panose="02020603050405020304" pitchFamily="18" charset="0"/>
+              <a:cs typeface="Times New Roman" panose="02020603050405020304" pitchFamily="18" charset="0"/>
+            </a:endParaRPr>
+          </a:p>
+          <a:p>
+            <a:r>
+              <a:rPr lang="ru-RU" dirty="0">
+                <a:latin typeface="Times New Roman" panose="02020603050405020304" pitchFamily="18" charset="0"/>
+                <a:cs typeface="Times New Roman" panose="02020603050405020304" pitchFamily="18" charset="0"/>
+              </a:rPr>
+              <a:t>Относительная погрешность L2 в w: 0,0017863327901830245</a:t>
+            </a:r>
+          </a:p>
+        </p:txBody>
+      </p:sp>
+    </p:spTree>
+    <p:extLst>
+      <p:ext uri="{BB962C8B-B14F-4D97-AF65-F5344CB8AC3E}">
+        <p14:creationId xmlns:p14="http://schemas.microsoft.com/office/powerpoint/2010/main" val="605416080"/>
+      </p:ext>
+    </p:extLst>
+  </p:cSld>
+  <p:clrMapOvr>
+    <a:masterClrMapping/>
+  </p:clrMapOvr>
+</p:sld>
+</file>
+
+<file path=ppt/slides/slide12.xml><?xml version="1.0" encoding="utf-8"?>
+<p:sld xmlns:a="http://schemas.openxmlformats.org/drawingml/2006/main" xmlns:r="http://schemas.openxmlformats.org/officeDocument/2006/relationships" xmlns:p="http://schemas.openxmlformats.org/presentationml/2006/main">
+  <p:cSld>
+    <p:spTree>
+      <p:nvGrpSpPr>
+        <p:cNvPr id="1" name=""/>
+        <p:cNvGrpSpPr/>
+        <p:nvPr/>
+      </p:nvGrpSpPr>
+      <p:grpSpPr>
+        <a:xfrm>
+          <a:off x="0" y="0"/>
+          <a:ext cx="0" cy="0"/>
+          <a:chOff x="0" y="0"/>
+          <a:chExt cx="0" cy="0"/>
+        </a:xfrm>
+      </p:grpSpPr>
+      <p:sp>
+        <p:nvSpPr>
+          <p:cNvPr id="2" name="Title 1">
+            <a:extLst>
+              <a:ext uri="{FF2B5EF4-FFF2-40B4-BE49-F238E27FC236}">
+                <a16:creationId xmlns:a16="http://schemas.microsoft.com/office/drawing/2014/main" id="{D2FEF2E0-822C-E190-722B-832CE5A04D46}"/>
+              </a:ext>
+            </a:extLst>
+          </p:cNvPr>
+          <p:cNvSpPr>
+            <a:spLocks noGrp="1"/>
+          </p:cNvSpPr>
+          <p:nvPr>
+            <p:ph type="title"/>
+          </p:nvPr>
+        </p:nvSpPr>
+        <p:spPr/>
+        <p:txBody>
+          <a:bodyPr/>
+          <a:lstStyle/>
+          <a:p>
+            <a:r>
+              <a:rPr lang="ru-RU" dirty="0">
+                <a:latin typeface="Times New Roman" panose="02020603050405020304" pitchFamily="18" charset="0"/>
+                <a:cs typeface="Times New Roman" panose="02020603050405020304" pitchFamily="18" charset="0"/>
+              </a:rPr>
+              <a:t>Результаты решения</a:t>
+            </a:r>
+          </a:p>
+        </p:txBody>
+      </p:sp>
+      <p:pic>
+        <p:nvPicPr>
+          <p:cNvPr id="8" name="Content Placeholder 7">
+            <a:extLst>
+              <a:ext uri="{FF2B5EF4-FFF2-40B4-BE49-F238E27FC236}">
+                <a16:creationId xmlns:a16="http://schemas.microsoft.com/office/drawing/2014/main" id="{B85F5088-4227-BB16-9EF5-530152805C96}"/>
+              </a:ext>
+            </a:extLst>
+          </p:cNvPr>
+          <p:cNvPicPr>
+            <a:picLocks noGrp="1" noChangeAspect="1"/>
+          </p:cNvPicPr>
+          <p:nvPr>
+            <p:ph sz="half" idx="1"/>
+          </p:nvPr>
+        </p:nvPicPr>
+        <p:blipFill>
+          <a:blip r:embed="rId2"/>
+          <a:stretch>
+            <a:fillRect/>
+          </a:stretch>
+        </p:blipFill>
+        <p:spPr>
+          <a:xfrm>
+            <a:off x="1283089" y="1825625"/>
+            <a:ext cx="4291821" cy="4351338"/>
+          </a:xfrm>
+          <a:prstGeom prst="rect">
+            <a:avLst/>
+          </a:prstGeom>
+        </p:spPr>
+      </p:pic>
+      <p:pic>
+        <p:nvPicPr>
+          <p:cNvPr id="10" name="Content Placeholder 9">
+            <a:extLst>
+              <a:ext uri="{FF2B5EF4-FFF2-40B4-BE49-F238E27FC236}">
+                <a16:creationId xmlns:a16="http://schemas.microsoft.com/office/drawing/2014/main" id="{CD56D00C-AB24-A68E-316D-27C381977FFF}"/>
+              </a:ext>
+            </a:extLst>
+          </p:cNvPr>
+          <p:cNvPicPr>
+            <a:picLocks noGrp="1" noChangeAspect="1"/>
+          </p:cNvPicPr>
+          <p:nvPr>
+            <p:ph sz="half" idx="2"/>
+          </p:nvPr>
+        </p:nvPicPr>
+        <p:blipFill>
+          <a:blip r:embed="rId3"/>
+          <a:stretch>
+            <a:fillRect/>
+          </a:stretch>
+        </p:blipFill>
+        <p:spPr>
+          <a:xfrm>
+            <a:off x="6617089" y="1825625"/>
+            <a:ext cx="4291821" cy="4351338"/>
+          </a:xfrm>
+          <a:prstGeom prst="rect">
+            <a:avLst/>
+          </a:prstGeom>
+        </p:spPr>
+      </p:pic>
+    </p:spTree>
+    <p:extLst>
+      <p:ext uri="{BB962C8B-B14F-4D97-AF65-F5344CB8AC3E}">
+        <p14:creationId xmlns:p14="http://schemas.microsoft.com/office/powerpoint/2010/main" val="1014761129"/>
+      </p:ext>
+    </p:extLst>
+  </p:cSld>
+  <p:clrMapOvr>
+    <a:masterClrMapping/>
+  </p:clrMapOvr>
+</p:sld>
+</file>
+
 <file path=ppt/slides/slide2.xml><?xml version="1.0" encoding="utf-8"?>
 <p:sld xmlns:a="http://schemas.openxmlformats.org/drawingml/2006/main" xmlns:r="http://schemas.openxmlformats.org/officeDocument/2006/relationships" xmlns:p="http://schemas.openxmlformats.org/presentationml/2006/main">
   <p:cSld>
@@ -3507,7 +4012,10 @@
           <a:lstStyle/>
           <a:p>
             <a:r>
-              <a:rPr lang="ru-RU" dirty="0"/>
+              <a:rPr lang="ru-RU" dirty="0">
+                <a:latin typeface="Times New Roman" panose="02020603050405020304" pitchFamily="18" charset="0"/>
+                <a:cs typeface="Times New Roman" panose="02020603050405020304" pitchFamily="18" charset="0"/>
+              </a:rPr>
               <a:t>Нейросети в их простейшем представлении</a:t>
             </a:r>
           </a:p>
@@ -3600,7 +4108,10 @@
           <a:lstStyle/>
           <a:p>
             <a:r>
-              <a:rPr lang="ru-RU" dirty="0"/>
+              <a:rPr lang="ru-RU" dirty="0">
+                <a:latin typeface="Times New Roman" panose="02020603050405020304" pitchFamily="18" charset="0"/>
+                <a:cs typeface="Times New Roman" panose="02020603050405020304" pitchFamily="18" charset="0"/>
+              </a:rPr>
               <a:t>Процесс «решения» задачи</a:t>
             </a:r>
           </a:p>
@@ -3628,7 +4139,10 @@
           <a:lstStyle/>
           <a:p>
             <a:r>
-              <a:rPr lang="ru-RU" dirty="0"/>
+              <a:rPr lang="ru-RU" dirty="0">
+                <a:latin typeface="Times New Roman" panose="02020603050405020304" pitchFamily="18" charset="0"/>
+                <a:cs typeface="Times New Roman" panose="02020603050405020304" pitchFamily="18" charset="0"/>
+              </a:rPr>
               <a:t>Вход</a:t>
             </a:r>
           </a:p>
@@ -3656,25 +4170,37 @@
           <a:lstStyle/>
           <a:p>
             <a:r>
-              <a:rPr lang="ru-RU" dirty="0"/>
+              <a:rPr lang="ru-RU" dirty="0">
+                <a:latin typeface="Times New Roman" panose="02020603050405020304" pitchFamily="18" charset="0"/>
+                <a:cs typeface="Times New Roman" panose="02020603050405020304" pitchFamily="18" charset="0"/>
+              </a:rPr>
               <a:t>Уравнения или система уравнений</a:t>
             </a:r>
           </a:p>
           <a:p>
             <a:r>
-              <a:rPr lang="ru-RU" dirty="0"/>
+              <a:rPr lang="ru-RU" dirty="0">
+                <a:latin typeface="Times New Roman" panose="02020603050405020304" pitchFamily="18" charset="0"/>
+                <a:cs typeface="Times New Roman" panose="02020603050405020304" pitchFamily="18" charset="0"/>
+              </a:rPr>
               <a:t>Граничные условия</a:t>
             </a:r>
           </a:p>
           <a:p>
             <a:r>
-              <a:rPr lang="ru-RU" dirty="0"/>
+              <a:rPr lang="ru-RU" dirty="0">
+                <a:latin typeface="Times New Roman" panose="02020603050405020304" pitchFamily="18" charset="0"/>
+                <a:cs typeface="Times New Roman" panose="02020603050405020304" pitchFamily="18" charset="0"/>
+              </a:rPr>
               <a:t>Начальные условия</a:t>
             </a:r>
           </a:p>
           <a:p>
             <a:r>
-              <a:rPr lang="ru-RU" dirty="0"/>
+              <a:rPr lang="ru-RU" dirty="0">
+                <a:latin typeface="Times New Roman" panose="02020603050405020304" pitchFamily="18" charset="0"/>
+                <a:cs typeface="Times New Roman" panose="02020603050405020304" pitchFamily="18" charset="0"/>
+              </a:rPr>
               <a:t>Параметры</a:t>
             </a:r>
           </a:p>
@@ -3702,7 +4228,10 @@
           <a:lstStyle/>
           <a:p>
             <a:r>
-              <a:rPr lang="ru-RU" dirty="0"/>
+              <a:rPr lang="ru-RU" dirty="0">
+                <a:latin typeface="Times New Roman" panose="02020603050405020304" pitchFamily="18" charset="0"/>
+                <a:cs typeface="Times New Roman" panose="02020603050405020304" pitchFamily="18" charset="0"/>
+              </a:rPr>
               <a:t>Выход</a:t>
             </a:r>
           </a:p>
@@ -3730,7 +4259,10 @@
           <a:lstStyle/>
           <a:p>
             <a:r>
-              <a:rPr lang="ru-RU" dirty="0"/>
+              <a:rPr lang="ru-RU" dirty="0">
+                <a:latin typeface="Times New Roman" panose="02020603050405020304" pitchFamily="18" charset="0"/>
+                <a:cs typeface="Times New Roman" panose="02020603050405020304" pitchFamily="18" charset="0"/>
+              </a:rPr>
               <a:t>Решение уравнения</a:t>
             </a:r>
           </a:p>
@@ -3788,7 +4320,10 @@
           <a:lstStyle/>
           <a:p>
             <a:r>
-              <a:rPr lang="ru-RU" dirty="0"/>
+              <a:rPr lang="ru-RU" dirty="0">
+                <a:latin typeface="Times New Roman" panose="02020603050405020304" pitchFamily="18" charset="0"/>
+                <a:cs typeface="Times New Roman" panose="02020603050405020304" pitchFamily="18" charset="0"/>
+              </a:rPr>
               <a:t>Процесс «решения» задачи</a:t>
             </a:r>
           </a:p>
@@ -3821,7 +4356,10 @@
           <a:lstStyle/>
           <a:p>
             <a:r>
-              <a:rPr lang="ru-RU" dirty="0"/>
+              <a:rPr lang="ru-RU" dirty="0">
+                <a:latin typeface="Times New Roman" panose="02020603050405020304" pitchFamily="18" charset="0"/>
+                <a:cs typeface="Times New Roman" panose="02020603050405020304" pitchFamily="18" charset="0"/>
+              </a:rPr>
               <a:t>От чего зависит</a:t>
             </a:r>
           </a:p>
@@ -3854,31 +4392,52 @@
           <a:lstStyle/>
           <a:p>
             <a:r>
-              <a:rPr lang="ru-RU" dirty="0"/>
+              <a:rPr lang="ru-RU" dirty="0">
+                <a:latin typeface="Times New Roman" panose="02020603050405020304" pitchFamily="18" charset="0"/>
+                <a:cs typeface="Times New Roman" panose="02020603050405020304" pitchFamily="18" charset="0"/>
+              </a:rPr>
               <a:t>Количество итераций (эпох)</a:t>
             </a:r>
           </a:p>
           <a:p>
             <a:r>
-              <a:rPr lang="ru-RU" dirty="0"/>
+              <a:rPr lang="ru-RU" dirty="0">
+                <a:latin typeface="Times New Roman" panose="02020603050405020304" pitchFamily="18" charset="0"/>
+                <a:cs typeface="Times New Roman" panose="02020603050405020304" pitchFamily="18" charset="0"/>
+              </a:rPr>
               <a:t>Оптимизатор</a:t>
             </a:r>
           </a:p>
           <a:p>
-            <a:endParaRPr lang="ru-RU" dirty="0"/>
-          </a:p>
-          <a:p>
-            <a:endParaRPr lang="ru-RU" dirty="0"/>
-          </a:p>
-          <a:p>
-            <a:endParaRPr lang="ru-RU" dirty="0"/>
-          </a:p>
-          <a:p>
-            <a:endParaRPr lang="ru-RU" dirty="0"/>
-          </a:p>
-          <a:p>
-            <a:r>
-              <a:rPr lang="ru-RU" dirty="0"/>
+            <a:endParaRPr lang="ru-RU" dirty="0">
+              <a:latin typeface="Times New Roman" panose="02020603050405020304" pitchFamily="18" charset="0"/>
+              <a:cs typeface="Times New Roman" panose="02020603050405020304" pitchFamily="18" charset="0"/>
+            </a:endParaRPr>
+          </a:p>
+          <a:p>
+            <a:endParaRPr lang="ru-RU" dirty="0">
+              <a:latin typeface="Times New Roman" panose="02020603050405020304" pitchFamily="18" charset="0"/>
+              <a:cs typeface="Times New Roman" panose="02020603050405020304" pitchFamily="18" charset="0"/>
+            </a:endParaRPr>
+          </a:p>
+          <a:p>
+            <a:endParaRPr lang="ru-RU" dirty="0">
+              <a:latin typeface="Times New Roman" panose="02020603050405020304" pitchFamily="18" charset="0"/>
+              <a:cs typeface="Times New Roman" panose="02020603050405020304" pitchFamily="18" charset="0"/>
+            </a:endParaRPr>
+          </a:p>
+          <a:p>
+            <a:endParaRPr lang="ru-RU" dirty="0">
+              <a:latin typeface="Times New Roman" panose="02020603050405020304" pitchFamily="18" charset="0"/>
+              <a:cs typeface="Times New Roman" panose="02020603050405020304" pitchFamily="18" charset="0"/>
+            </a:endParaRPr>
+          </a:p>
+          <a:p>
+            <a:r>
+              <a:rPr lang="ru-RU" dirty="0">
+                <a:latin typeface="Times New Roman" panose="02020603050405020304" pitchFamily="18" charset="0"/>
+                <a:cs typeface="Times New Roman" panose="02020603050405020304" pitchFamily="18" charset="0"/>
+              </a:rPr>
               <a:t>Рандом</a:t>
             </a:r>
           </a:p>
@@ -3936,7 +4495,10 @@
           <a:lstStyle/>
           <a:p>
             <a:r>
-              <a:rPr lang="ru-RU" dirty="0"/>
+              <a:rPr lang="ru-RU" dirty="0">
+                <a:latin typeface="Times New Roman" panose="02020603050405020304" pitchFamily="18" charset="0"/>
+                <a:cs typeface="Times New Roman" panose="02020603050405020304" pitchFamily="18" charset="0"/>
+              </a:rPr>
               <a:t>Плюсы</a:t>
             </a:r>
           </a:p>
@@ -3964,23 +4526,70 @@
           <a:lstStyle/>
           <a:p>
             <a:r>
-              <a:rPr lang="ru-RU" dirty="0"/>
+              <a:rPr lang="ru-RU" dirty="0">
+                <a:latin typeface="Times New Roman" panose="02020603050405020304" pitchFamily="18" charset="0"/>
+                <a:cs typeface="Times New Roman" panose="02020603050405020304" pitchFamily="18" charset="0"/>
+              </a:rPr>
               <a:t>Простота написания кода</a:t>
             </a:r>
           </a:p>
           <a:p>
             <a:r>
-              <a:rPr lang="ru-RU" dirty="0"/>
+              <a:rPr lang="ru-RU" dirty="0">
+                <a:latin typeface="Times New Roman" panose="02020603050405020304" pitchFamily="18" charset="0"/>
+                <a:cs typeface="Times New Roman" panose="02020603050405020304" pitchFamily="18" charset="0"/>
+              </a:rPr>
               <a:t>Легкая шаблонизация ряда однотипных задач и их быстрое решение с точностью порядка 10</a:t>
             </a:r>
             <a:r>
-              <a:rPr lang="ru-RU" baseline="30000" dirty="0"/>
+              <a:rPr lang="ru-RU" baseline="30000" dirty="0">
+                <a:latin typeface="Times New Roman" panose="02020603050405020304" pitchFamily="18" charset="0"/>
+                <a:cs typeface="Times New Roman" panose="02020603050405020304" pitchFamily="18" charset="0"/>
+              </a:rPr>
               <a:t>-3</a:t>
             </a:r>
-            <a:endParaRPr lang="ru-RU" dirty="0"/>
-          </a:p>
-          <a:p>
-            <a:endParaRPr lang="ru-RU" dirty="0"/>
+            <a:endParaRPr lang="ru-RU" dirty="0">
+              <a:latin typeface="Times New Roman" panose="02020603050405020304" pitchFamily="18" charset="0"/>
+              <a:cs typeface="Times New Roman" panose="02020603050405020304" pitchFamily="18" charset="0"/>
+            </a:endParaRPr>
+          </a:p>
+          <a:p>
+            <a:r>
+              <a:rPr lang="ru-RU" dirty="0">
+                <a:latin typeface="Times New Roman" panose="02020603050405020304" pitchFamily="18" charset="0"/>
+                <a:cs typeface="Times New Roman" panose="02020603050405020304" pitchFamily="18" charset="0"/>
+              </a:rPr>
+              <a:t>Считается в многопроцессорном режиме в независимости от задачи</a:t>
+            </a:r>
+          </a:p>
+          <a:p>
+            <a:r>
+              <a:rPr lang="ru-RU" dirty="0">
+                <a:latin typeface="Times New Roman" panose="02020603050405020304" pitchFamily="18" charset="0"/>
+                <a:cs typeface="Times New Roman" panose="02020603050405020304" pitchFamily="18" charset="0"/>
+              </a:rPr>
+              <a:t>Имеет возможность ускорить получения результатов с помощью </a:t>
+            </a:r>
+            <a:r>
+              <a:rPr lang="en-US" dirty="0">
+                <a:latin typeface="Times New Roman" panose="02020603050405020304" pitchFamily="18" charset="0"/>
+                <a:cs typeface="Times New Roman" panose="02020603050405020304" pitchFamily="18" charset="0"/>
+              </a:rPr>
+              <a:t>NPU</a:t>
+            </a:r>
+            <a:endParaRPr lang="ru-RU" dirty="0">
+              <a:latin typeface="Times New Roman" panose="02020603050405020304" pitchFamily="18" charset="0"/>
+              <a:cs typeface="Times New Roman" panose="02020603050405020304" pitchFamily="18" charset="0"/>
+            </a:endParaRPr>
+          </a:p>
+          <a:p>
+            <a:r>
+              <a:rPr lang="ru-RU" dirty="0">
+                <a:latin typeface="Times New Roman" panose="02020603050405020304" pitchFamily="18" charset="0"/>
+                <a:cs typeface="Times New Roman" panose="02020603050405020304" pitchFamily="18" charset="0"/>
+              </a:rPr>
+              <a:t>Можно в реальном времени моделировать физику в мобильных играх</a:t>
+            </a:r>
           </a:p>
         </p:txBody>
       </p:sp>
@@ -4036,7 +4645,10 @@
           <a:lstStyle/>
           <a:p>
             <a:r>
-              <a:rPr lang="ru-RU" dirty="0"/>
+              <a:rPr lang="ru-RU" dirty="0">
+                <a:latin typeface="Times New Roman" panose="02020603050405020304" pitchFamily="18" charset="0"/>
+                <a:cs typeface="Times New Roman" panose="02020603050405020304" pitchFamily="18" charset="0"/>
+              </a:rPr>
               <a:t>Минусы</a:t>
             </a:r>
           </a:p>
@@ -4064,16 +4676,25 @@
           <a:lstStyle/>
           <a:p>
             <a:r>
-              <a:rPr lang="ru-RU" dirty="0"/>
+              <a:rPr lang="ru-RU" dirty="0">
+                <a:latin typeface="Times New Roman" panose="02020603050405020304" pitchFamily="18" charset="0"/>
+                <a:cs typeface="Times New Roman" panose="02020603050405020304" pitchFamily="18" charset="0"/>
+              </a:rPr>
               <a:t>С ростом размерности значительно увеличивается время</a:t>
             </a:r>
           </a:p>
           <a:p>
             <a:r>
-              <a:rPr lang="ru-RU"/>
+              <a:rPr lang="ru-RU">
+                <a:latin typeface="Times New Roman" panose="02020603050405020304" pitchFamily="18" charset="0"/>
+                <a:cs typeface="Times New Roman" panose="02020603050405020304" pitchFamily="18" charset="0"/>
+              </a:rPr>
               <a:t>На данный момент вычислительные мощности не позволяют решать сложные задачи с помощью нейронных сетей</a:t>
             </a:r>
-            <a:endParaRPr lang="ru-RU" dirty="0"/>
+            <a:endParaRPr lang="ru-RU" dirty="0">
+              <a:latin typeface="Times New Roman" panose="02020603050405020304" pitchFamily="18" charset="0"/>
+              <a:cs typeface="Times New Roman" panose="02020603050405020304" pitchFamily="18" charset="0"/>
+            </a:endParaRPr>
           </a:p>
         </p:txBody>
       </p:sp>
@@ -4081,6 +4702,724 @@
     <p:extLst>
       <p:ext uri="{BB962C8B-B14F-4D97-AF65-F5344CB8AC3E}">
         <p14:creationId xmlns:p14="http://schemas.microsoft.com/office/powerpoint/2010/main" val="147840491"/>
+      </p:ext>
+    </p:extLst>
+  </p:cSld>
+  <p:clrMapOvr>
+    <a:masterClrMapping/>
+  </p:clrMapOvr>
+</p:sld>
+</file>
+
+<file path=ppt/slides/slide7.xml><?xml version="1.0" encoding="utf-8"?>
+<p:sld xmlns:a="http://schemas.openxmlformats.org/drawingml/2006/main" xmlns:r="http://schemas.openxmlformats.org/officeDocument/2006/relationships" xmlns:p="http://schemas.openxmlformats.org/presentationml/2006/main">
+  <p:cSld>
+    <p:spTree>
+      <p:nvGrpSpPr>
+        <p:cNvPr id="1" name=""/>
+        <p:cNvGrpSpPr/>
+        <p:nvPr/>
+      </p:nvGrpSpPr>
+      <p:grpSpPr>
+        <a:xfrm>
+          <a:off x="0" y="0"/>
+          <a:ext cx="0" cy="0"/>
+          <a:chOff x="0" y="0"/>
+          <a:chExt cx="0" cy="0"/>
+        </a:xfrm>
+      </p:grpSpPr>
+      <p:sp>
+        <p:nvSpPr>
+          <p:cNvPr id="2" name="Title 1">
+            <a:extLst>
+              <a:ext uri="{FF2B5EF4-FFF2-40B4-BE49-F238E27FC236}">
+                <a16:creationId xmlns:a16="http://schemas.microsoft.com/office/drawing/2014/main" id="{F7979E1F-8630-E138-5C31-A08E33E3B53C}"/>
+              </a:ext>
+            </a:extLst>
+          </p:cNvPr>
+          <p:cNvSpPr>
+            <a:spLocks noGrp="1"/>
+          </p:cNvSpPr>
+          <p:nvPr>
+            <p:ph type="title"/>
+          </p:nvPr>
+        </p:nvSpPr>
+        <p:spPr/>
+        <p:txBody>
+          <a:bodyPr/>
+          <a:lstStyle/>
+          <a:p>
+            <a:r>
+              <a:rPr lang="ru-RU" dirty="0">
+                <a:latin typeface="Times New Roman" panose="02020603050405020304" pitchFamily="18" charset="0"/>
+                <a:cs typeface="Times New Roman" panose="02020603050405020304" pitchFamily="18" charset="0"/>
+              </a:rPr>
+              <a:t>Задача</a:t>
+            </a:r>
+          </a:p>
+        </p:txBody>
+      </p:sp>
+      <p:sp>
+        <p:nvSpPr>
+          <p:cNvPr id="3" name="Content Placeholder 2">
+            <a:extLst>
+              <a:ext uri="{FF2B5EF4-FFF2-40B4-BE49-F238E27FC236}">
+                <a16:creationId xmlns:a16="http://schemas.microsoft.com/office/drawing/2014/main" id="{0CE8CE23-CBE5-09B0-2DD1-DFFC3D28C546}"/>
+              </a:ext>
+            </a:extLst>
+          </p:cNvPr>
+          <p:cNvSpPr>
+            <a:spLocks noGrp="1"/>
+          </p:cNvSpPr>
+          <p:nvPr>
+            <p:ph idx="1"/>
+          </p:nvPr>
+        </p:nvSpPr>
+        <p:spPr>
+          <a:xfrm>
+            <a:off x="-793" y="1824706"/>
+            <a:ext cx="10817506" cy="4351338"/>
+          </a:xfrm>
+        </p:spPr>
+        <p:txBody>
+          <a:bodyPr/>
+          <a:lstStyle/>
+          <a:p>
+            <a:r>
+              <a:rPr lang="ru-RU" dirty="0">
+                <a:latin typeface="Times New Roman" panose="02020603050405020304" pitchFamily="18" charset="0"/>
+                <a:cs typeface="Times New Roman" panose="02020603050405020304" pitchFamily="18" charset="0"/>
+              </a:rPr>
+              <a:t>Уравнения Навье-Стокса</a:t>
+            </a:r>
+            <a:endParaRPr lang="en-US" dirty="0">
+              <a:latin typeface="Times New Roman" panose="02020603050405020304" pitchFamily="18" charset="0"/>
+              <a:cs typeface="Times New Roman" panose="02020603050405020304" pitchFamily="18" charset="0"/>
+            </a:endParaRPr>
+          </a:p>
+          <a:p>
+            <a:endParaRPr lang="en-US" dirty="0">
+              <a:latin typeface="Times New Roman" panose="02020603050405020304" pitchFamily="18" charset="0"/>
+              <a:cs typeface="Times New Roman" panose="02020603050405020304" pitchFamily="18" charset="0"/>
+            </a:endParaRPr>
+          </a:p>
+          <a:p>
+            <a:pPr marL="0" indent="0">
+              <a:buNone/>
+            </a:pPr>
+            <a:endParaRPr lang="en-US" dirty="0">
+              <a:latin typeface="Times New Roman" panose="02020603050405020304" pitchFamily="18" charset="0"/>
+              <a:cs typeface="Times New Roman" panose="02020603050405020304" pitchFamily="18" charset="0"/>
+            </a:endParaRPr>
+          </a:p>
+          <a:p>
+            <a:r>
+              <a:rPr lang="ru-RU" dirty="0">
+                <a:latin typeface="Times New Roman" panose="02020603050405020304" pitchFamily="18" charset="0"/>
+                <a:cs typeface="Times New Roman" panose="02020603050405020304" pitchFamily="18" charset="0"/>
+              </a:rPr>
+              <a:t>Условия</a:t>
+            </a:r>
+          </a:p>
+          <a:p>
+            <a:endParaRPr lang="ru-RU" dirty="0">
+              <a:latin typeface="Times New Roman" panose="02020603050405020304" pitchFamily="18" charset="0"/>
+              <a:cs typeface="Times New Roman" panose="02020603050405020304" pitchFamily="18" charset="0"/>
+            </a:endParaRPr>
+          </a:p>
+        </p:txBody>
+      </p:sp>
+      <p:graphicFrame>
+        <p:nvGraphicFramePr>
+          <p:cNvPr id="4" name="Object 3">
+            <a:extLst>
+              <a:ext uri="{FF2B5EF4-FFF2-40B4-BE49-F238E27FC236}">
+                <a16:creationId xmlns:a16="http://schemas.microsoft.com/office/drawing/2014/main" id="{B22D3EEF-2F3A-BC40-FD54-03A0D06B7946}"/>
+              </a:ext>
+            </a:extLst>
+          </p:cNvPr>
+          <p:cNvGraphicFramePr>
+            <a:graphicFrameLocks noChangeAspect="1"/>
+          </p:cNvGraphicFramePr>
+          <p:nvPr>
+            <p:extLst>
+              <p:ext uri="{D42A27DB-BD31-4B8C-83A1-F6EECF244321}">
+                <p14:modId xmlns:p14="http://schemas.microsoft.com/office/powerpoint/2010/main" val="3557496085"/>
+              </p:ext>
+            </p:extLst>
+          </p:nvPr>
+        </p:nvGraphicFramePr>
+        <p:xfrm>
+          <a:off x="4470277" y="2354629"/>
+          <a:ext cx="3251446" cy="1124560"/>
+        </p:xfrm>
+        <a:graphic>
+          <a:graphicData uri="http://schemas.openxmlformats.org/presentationml/2006/ole">
+            <mc:AlternateContent xmlns:mc="http://schemas.openxmlformats.org/markup-compatibility/2006">
+              <mc:Choice xmlns:v="urn:schemas-microsoft-com:vml" Requires="v">
+                <p:oleObj name="Equation" r:id="rId2" imgW="1688760" imgH="583920" progId="Equation.DSMT4">
+                  <p:embed/>
+                </p:oleObj>
+              </mc:Choice>
+              <mc:Fallback>
+                <p:oleObj name="Equation" r:id="rId2" imgW="1688760" imgH="583920" progId="Equation.DSMT4">
+                  <p:embed/>
+                  <p:pic>
+                    <p:nvPicPr>
+                      <p:cNvPr id="0" name=""/>
+                      <p:cNvPicPr/>
+                      <p:nvPr/>
+                    </p:nvPicPr>
+                    <p:blipFill>
+                      <a:blip r:embed="rId3"/>
+                      <a:stretch>
+                        <a:fillRect/>
+                      </a:stretch>
+                    </p:blipFill>
+                    <p:spPr>
+                      <a:xfrm>
+                        <a:off x="4470277" y="2354629"/>
+                        <a:ext cx="3251446" cy="1124560"/>
+                      </a:xfrm>
+                      <a:prstGeom prst="rect">
+                        <a:avLst/>
+                      </a:prstGeom>
+                    </p:spPr>
+                  </p:pic>
+                </p:oleObj>
+              </mc:Fallback>
+            </mc:AlternateContent>
+          </a:graphicData>
+        </a:graphic>
+      </p:graphicFrame>
+      <p:graphicFrame>
+        <p:nvGraphicFramePr>
+          <p:cNvPr id="5" name="Object 4">
+            <a:extLst>
+              <a:ext uri="{FF2B5EF4-FFF2-40B4-BE49-F238E27FC236}">
+                <a16:creationId xmlns:a16="http://schemas.microsoft.com/office/drawing/2014/main" id="{BE845A3E-C591-F28D-BFDF-ED9B493FADC8}"/>
+              </a:ext>
+            </a:extLst>
+          </p:cNvPr>
+          <p:cNvGraphicFramePr>
+            <a:graphicFrameLocks noChangeAspect="1"/>
+          </p:cNvGraphicFramePr>
+          <p:nvPr>
+            <p:extLst>
+              <p:ext uri="{D42A27DB-BD31-4B8C-83A1-F6EECF244321}">
+                <p14:modId xmlns:p14="http://schemas.microsoft.com/office/powerpoint/2010/main" val="2113921135"/>
+              </p:ext>
+            </p:extLst>
+          </p:nvPr>
+        </p:nvGraphicFramePr>
+        <p:xfrm>
+          <a:off x="9387069" y="2857625"/>
+          <a:ext cx="1718195" cy="398422"/>
+        </p:xfrm>
+        <a:graphic>
+          <a:graphicData uri="http://schemas.openxmlformats.org/presentationml/2006/ole">
+            <mc:AlternateContent xmlns:mc="http://schemas.openxmlformats.org/markup-compatibility/2006">
+              <mc:Choice xmlns:v="urn:schemas-microsoft-com:vml" Requires="v">
+                <p:oleObj name="Equation" r:id="rId4" imgW="876240" imgH="203040" progId="Equation.DSMT4">
+                  <p:embed/>
+                </p:oleObj>
+              </mc:Choice>
+              <mc:Fallback>
+                <p:oleObj name="Equation" r:id="rId4" imgW="876240" imgH="203040" progId="Equation.DSMT4">
+                  <p:embed/>
+                  <p:pic>
+                    <p:nvPicPr>
+                      <p:cNvPr id="0" name=""/>
+                      <p:cNvPicPr/>
+                      <p:nvPr/>
+                    </p:nvPicPr>
+                    <p:blipFill>
+                      <a:blip r:embed="rId5"/>
+                      <a:stretch>
+                        <a:fillRect/>
+                      </a:stretch>
+                    </p:blipFill>
+                    <p:spPr>
+                      <a:xfrm>
+                        <a:off x="9387069" y="2857625"/>
+                        <a:ext cx="1718195" cy="398422"/>
+                      </a:xfrm>
+                      <a:prstGeom prst="rect">
+                        <a:avLst/>
+                      </a:prstGeom>
+                    </p:spPr>
+                  </p:pic>
+                </p:oleObj>
+              </mc:Fallback>
+            </mc:AlternateContent>
+          </a:graphicData>
+        </a:graphic>
+      </p:graphicFrame>
+      <p:graphicFrame>
+        <p:nvGraphicFramePr>
+          <p:cNvPr id="6" name="Object 5">
+            <a:extLst>
+              <a:ext uri="{FF2B5EF4-FFF2-40B4-BE49-F238E27FC236}">
+                <a16:creationId xmlns:a16="http://schemas.microsoft.com/office/drawing/2014/main" id="{43C46E8C-541E-D45B-EC4C-690DB84CF87A}"/>
+              </a:ext>
+            </a:extLst>
+          </p:cNvPr>
+          <p:cNvGraphicFramePr>
+            <a:graphicFrameLocks noChangeAspect="1"/>
+          </p:cNvGraphicFramePr>
+          <p:nvPr>
+            <p:extLst>
+              <p:ext uri="{D42A27DB-BD31-4B8C-83A1-F6EECF244321}">
+                <p14:modId xmlns:p14="http://schemas.microsoft.com/office/powerpoint/2010/main" val="980797038"/>
+              </p:ext>
+            </p:extLst>
+          </p:nvPr>
+        </p:nvGraphicFramePr>
+        <p:xfrm>
+          <a:off x="149678" y="4000375"/>
+          <a:ext cx="11892644" cy="2695575"/>
+        </p:xfrm>
+        <a:graphic>
+          <a:graphicData uri="http://schemas.openxmlformats.org/presentationml/2006/ole">
+            <mc:AlternateContent xmlns:mc="http://schemas.openxmlformats.org/markup-compatibility/2006">
+              <mc:Choice xmlns:v="urn:schemas-microsoft-com:vml" Requires="v">
+                <p:oleObj name="Equation" r:id="rId6" imgW="8026200" imgH="1765080" progId="Equation.DSMT4">
+                  <p:embed/>
+                </p:oleObj>
+              </mc:Choice>
+              <mc:Fallback>
+                <p:oleObj name="Equation" r:id="rId6" imgW="8026200" imgH="1765080" progId="Equation.DSMT4">
+                  <p:embed/>
+                  <p:pic>
+                    <p:nvPicPr>
+                      <p:cNvPr id="0" name=""/>
+                      <p:cNvPicPr/>
+                      <p:nvPr/>
+                    </p:nvPicPr>
+                    <p:blipFill>
+                      <a:blip r:embed="rId7"/>
+                      <a:stretch>
+                        <a:fillRect/>
+                      </a:stretch>
+                    </p:blipFill>
+                    <p:spPr>
+                      <a:xfrm>
+                        <a:off x="149678" y="4000375"/>
+                        <a:ext cx="11892644" cy="2695575"/>
+                      </a:xfrm>
+                      <a:prstGeom prst="rect">
+                        <a:avLst/>
+                      </a:prstGeom>
+                    </p:spPr>
+                  </p:pic>
+                </p:oleObj>
+              </mc:Fallback>
+            </mc:AlternateContent>
+          </a:graphicData>
+        </a:graphic>
+      </p:graphicFrame>
+      <p:sp>
+        <p:nvSpPr>
+          <p:cNvPr id="7" name="TextBox 6">
+            <a:extLst>
+              <a:ext uri="{FF2B5EF4-FFF2-40B4-BE49-F238E27FC236}">
+                <a16:creationId xmlns:a16="http://schemas.microsoft.com/office/drawing/2014/main" id="{C4894A90-BD94-9EB4-E2E0-1038C4464BD2}"/>
+              </a:ext>
+            </a:extLst>
+          </p:cNvPr>
+          <p:cNvSpPr txBox="1"/>
+          <p:nvPr/>
+        </p:nvSpPr>
+        <p:spPr>
+          <a:xfrm>
+            <a:off x="7141580" y="5960962"/>
+            <a:ext cx="3640420" cy="369332"/>
+          </a:xfrm>
+          <a:prstGeom prst="rect">
+            <a:avLst/>
+          </a:prstGeom>
+          <a:noFill/>
+        </p:spPr>
+        <p:txBody>
+          <a:bodyPr wrap="none" rtlCol="0">
+            <a:spAutoFit/>
+          </a:bodyPr>
+          <a:lstStyle/>
+          <a:p>
+            <a:r>
+              <a:rPr lang="ru-RU" dirty="0">
+                <a:latin typeface="Times New Roman" panose="02020603050405020304" pitchFamily="18" charset="0"/>
+                <a:cs typeface="Times New Roman" panose="02020603050405020304" pitchFamily="18" charset="0"/>
+              </a:rPr>
+              <a:t>Где </a:t>
+            </a:r>
+            <a:r>
+              <a:rPr lang="en-US" dirty="0">
+                <a:latin typeface="Times New Roman" panose="02020603050405020304" pitchFamily="18" charset="0"/>
+                <a:cs typeface="Times New Roman" panose="02020603050405020304" pitchFamily="18" charset="0"/>
+              </a:rPr>
+              <a:t>u, v, w</a:t>
+            </a:r>
+            <a:r>
+              <a:rPr lang="ru-RU" dirty="0">
+                <a:latin typeface="Times New Roman" panose="02020603050405020304" pitchFamily="18" charset="0"/>
+                <a:cs typeface="Times New Roman" panose="02020603050405020304" pitchFamily="18" charset="0"/>
+              </a:rPr>
+              <a:t> – компоненты решения</a:t>
+            </a:r>
+          </a:p>
+        </p:txBody>
+      </p:sp>
+    </p:spTree>
+    <p:extLst>
+      <p:ext uri="{BB962C8B-B14F-4D97-AF65-F5344CB8AC3E}">
+        <p14:creationId xmlns:p14="http://schemas.microsoft.com/office/powerpoint/2010/main" val="3053826329"/>
+      </p:ext>
+    </p:extLst>
+  </p:cSld>
+  <p:clrMapOvr>
+    <a:masterClrMapping/>
+  </p:clrMapOvr>
+</p:sld>
+</file>
+
+<file path=ppt/slides/slide8.xml><?xml version="1.0" encoding="utf-8"?>
+<p:sld xmlns:a="http://schemas.openxmlformats.org/drawingml/2006/main" xmlns:r="http://schemas.openxmlformats.org/officeDocument/2006/relationships" xmlns:p="http://schemas.openxmlformats.org/presentationml/2006/main">
+  <p:cSld>
+    <p:spTree>
+      <p:nvGrpSpPr>
+        <p:cNvPr id="1" name=""/>
+        <p:cNvGrpSpPr/>
+        <p:nvPr/>
+      </p:nvGrpSpPr>
+      <p:grpSpPr>
+        <a:xfrm>
+          <a:off x="0" y="0"/>
+          <a:ext cx="0" cy="0"/>
+          <a:chOff x="0" y="0"/>
+          <a:chExt cx="0" cy="0"/>
+        </a:xfrm>
+      </p:grpSpPr>
+      <p:sp>
+        <p:nvSpPr>
+          <p:cNvPr id="2" name="Title 1">
+            <a:extLst>
+              <a:ext uri="{FF2B5EF4-FFF2-40B4-BE49-F238E27FC236}">
+                <a16:creationId xmlns:a16="http://schemas.microsoft.com/office/drawing/2014/main" id="{5CD125D1-7717-3977-86EB-D606BFEFBBC6}"/>
+              </a:ext>
+            </a:extLst>
+          </p:cNvPr>
+          <p:cNvSpPr>
+            <a:spLocks noGrp="1"/>
+          </p:cNvSpPr>
+          <p:nvPr>
+            <p:ph type="title"/>
+          </p:nvPr>
+        </p:nvSpPr>
+        <p:spPr/>
+        <p:txBody>
+          <a:bodyPr/>
+          <a:lstStyle/>
+          <a:p>
+            <a:r>
+              <a:rPr lang="ru-RU" dirty="0">
+                <a:latin typeface="Times New Roman" panose="02020603050405020304" pitchFamily="18" charset="0"/>
+                <a:cs typeface="Times New Roman" panose="02020603050405020304" pitchFamily="18" charset="0"/>
+              </a:rPr>
+              <a:t>Задача</a:t>
+            </a:r>
+          </a:p>
+        </p:txBody>
+      </p:sp>
+      <p:sp>
+        <p:nvSpPr>
+          <p:cNvPr id="3" name="Content Placeholder 2">
+            <a:extLst>
+              <a:ext uri="{FF2B5EF4-FFF2-40B4-BE49-F238E27FC236}">
+                <a16:creationId xmlns:a16="http://schemas.microsoft.com/office/drawing/2014/main" id="{8A69DC68-0317-0D35-7639-BDB18510D26D}"/>
+              </a:ext>
+            </a:extLst>
+          </p:cNvPr>
+          <p:cNvSpPr>
+            <a:spLocks noGrp="1"/>
+          </p:cNvSpPr>
+          <p:nvPr>
+            <p:ph idx="1"/>
+          </p:nvPr>
+        </p:nvSpPr>
+        <p:spPr/>
+        <p:txBody>
+          <a:bodyPr>
+            <a:normAutofit lnSpcReduction="10000"/>
+          </a:bodyPr>
+          <a:lstStyle/>
+          <a:p>
+            <a:r>
+              <a:rPr lang="ru-RU" dirty="0">
+                <a:latin typeface="Times New Roman" panose="02020603050405020304" pitchFamily="18" charset="0"/>
+                <a:cs typeface="Times New Roman" panose="02020603050405020304" pitchFamily="18" charset="0"/>
+              </a:rPr>
+              <a:t>Все коэффициенты (</a:t>
+            </a:r>
+            <a:r>
+              <a:rPr lang="en-US" dirty="0">
+                <a:latin typeface="Times New Roman" panose="02020603050405020304" pitchFamily="18" charset="0"/>
+                <a:cs typeface="Times New Roman" panose="02020603050405020304" pitchFamily="18" charset="0"/>
+              </a:rPr>
+              <a:t>a, d, Re)</a:t>
+            </a:r>
+            <a:r>
+              <a:rPr lang="ru-RU" dirty="0">
+                <a:latin typeface="Times New Roman" panose="02020603050405020304" pitchFamily="18" charset="0"/>
+                <a:cs typeface="Times New Roman" panose="02020603050405020304" pitchFamily="18" charset="0"/>
+              </a:rPr>
+              <a:t> в дальнейшем равны единице</a:t>
+            </a:r>
+            <a:endParaRPr lang="en-US" dirty="0">
+              <a:latin typeface="Times New Roman" panose="02020603050405020304" pitchFamily="18" charset="0"/>
+              <a:cs typeface="Times New Roman" panose="02020603050405020304" pitchFamily="18" charset="0"/>
+            </a:endParaRPr>
+          </a:p>
+          <a:p>
+            <a:r>
+              <a:rPr lang="ru-RU" dirty="0">
+                <a:latin typeface="Times New Roman" panose="02020603050405020304" pitchFamily="18" charset="0"/>
+                <a:cs typeface="Times New Roman" panose="02020603050405020304" pitchFamily="18" charset="0"/>
+              </a:rPr>
+              <a:t>Все ошибки по граничным условиям шли с весом 100, уравнения – с весом 1</a:t>
+            </a:r>
+          </a:p>
+          <a:p>
+            <a:r>
+              <a:rPr lang="ru-RU" dirty="0">
+                <a:latin typeface="Times New Roman" panose="02020603050405020304" pitchFamily="18" charset="0"/>
+                <a:cs typeface="Times New Roman" panose="02020603050405020304" pitchFamily="18" charset="0"/>
+              </a:rPr>
+              <a:t>30 000 эпох с оптимизатором </a:t>
+            </a:r>
+            <a:r>
+              <a:rPr lang="en-US" i="1" dirty="0">
+                <a:latin typeface="Times New Roman" panose="02020603050405020304" pitchFamily="18" charset="0"/>
+                <a:cs typeface="Times New Roman" panose="02020603050405020304" pitchFamily="18" charset="0"/>
+              </a:rPr>
+              <a:t>“</a:t>
+            </a:r>
+            <a:r>
+              <a:rPr lang="en-US" i="1" dirty="0" err="1">
+                <a:latin typeface="Times New Roman" panose="02020603050405020304" pitchFamily="18" charset="0"/>
+                <a:cs typeface="Times New Roman" panose="02020603050405020304" pitchFamily="18" charset="0"/>
+              </a:rPr>
+              <a:t>adam</a:t>
+            </a:r>
+            <a:r>
+              <a:rPr lang="en-US" i="1" dirty="0">
+                <a:latin typeface="Times New Roman" panose="02020603050405020304" pitchFamily="18" charset="0"/>
+                <a:cs typeface="Times New Roman" panose="02020603050405020304" pitchFamily="18" charset="0"/>
+              </a:rPr>
+              <a:t>”</a:t>
+            </a:r>
+            <a:endParaRPr lang="ru-RU" i="1" dirty="0">
+              <a:latin typeface="Times New Roman" panose="02020603050405020304" pitchFamily="18" charset="0"/>
+              <a:cs typeface="Times New Roman" panose="02020603050405020304" pitchFamily="18" charset="0"/>
+            </a:endParaRPr>
+          </a:p>
+          <a:p>
+            <a:r>
+              <a:rPr lang="ru-RU" dirty="0">
+                <a:latin typeface="Times New Roman" panose="02020603050405020304" pitchFamily="18" charset="0"/>
+                <a:cs typeface="Times New Roman" panose="02020603050405020304" pitchFamily="18" charset="0"/>
+              </a:rPr>
+              <a:t>Дообучение с оптимизатором </a:t>
+            </a:r>
+            <a:r>
+              <a:rPr lang="en-US" i="1" dirty="0">
+                <a:latin typeface="Times New Roman" panose="02020603050405020304" pitchFamily="18" charset="0"/>
+                <a:cs typeface="Times New Roman" panose="02020603050405020304" pitchFamily="18" charset="0"/>
+              </a:rPr>
+              <a:t>“L-BFGS”</a:t>
+            </a:r>
+            <a:endParaRPr lang="ru-RU" i="1" dirty="0">
+              <a:latin typeface="Times New Roman" panose="02020603050405020304" pitchFamily="18" charset="0"/>
+              <a:cs typeface="Times New Roman" panose="02020603050405020304" pitchFamily="18" charset="0"/>
+            </a:endParaRPr>
+          </a:p>
+          <a:p>
+            <a:r>
+              <a:rPr lang="ru-RU" dirty="0">
+                <a:latin typeface="Times New Roman" panose="02020603050405020304" pitchFamily="18" charset="0"/>
+                <a:cs typeface="Times New Roman" panose="02020603050405020304" pitchFamily="18" charset="0"/>
+              </a:rPr>
+              <a:t>На обучение было потрачено 4 с половиной часа на ПК со следущими характеристиками:</a:t>
+            </a:r>
+          </a:p>
+          <a:p>
+            <a:pPr lvl="1"/>
+            <a:r>
+              <a:rPr lang="ru-RU" dirty="0">
+                <a:latin typeface="Times New Roman" panose="02020603050405020304" pitchFamily="18" charset="0"/>
+                <a:cs typeface="Times New Roman" panose="02020603050405020304" pitchFamily="18" charset="0"/>
+              </a:rPr>
+              <a:t>Видеокарта: </a:t>
+            </a:r>
+            <a:r>
+              <a:rPr lang="en-US" dirty="0">
+                <a:latin typeface="Times New Roman" panose="02020603050405020304" pitchFamily="18" charset="0"/>
+                <a:cs typeface="Times New Roman" panose="02020603050405020304" pitchFamily="18" charset="0"/>
+              </a:rPr>
+              <a:t>RTX 4080</a:t>
+            </a:r>
+          </a:p>
+          <a:p>
+            <a:pPr lvl="1"/>
+            <a:r>
+              <a:rPr lang="ru-RU" dirty="0">
+                <a:latin typeface="Times New Roman" panose="02020603050405020304" pitchFamily="18" charset="0"/>
+                <a:cs typeface="Times New Roman" panose="02020603050405020304" pitchFamily="18" charset="0"/>
+              </a:rPr>
+              <a:t>Процессор</a:t>
+            </a:r>
+            <a:r>
+              <a:rPr lang="en-US" dirty="0">
+                <a:latin typeface="Times New Roman" panose="02020603050405020304" pitchFamily="18" charset="0"/>
+                <a:cs typeface="Times New Roman" panose="02020603050405020304" pitchFamily="18" charset="0"/>
+              </a:rPr>
+              <a:t>:</a:t>
+            </a:r>
+            <a:r>
+              <a:rPr lang="ru-RU" dirty="0">
+                <a:latin typeface="Times New Roman" panose="02020603050405020304" pitchFamily="18" charset="0"/>
+                <a:cs typeface="Times New Roman" panose="02020603050405020304" pitchFamily="18" charset="0"/>
+              </a:rPr>
+              <a:t> </a:t>
+            </a:r>
+            <a:r>
+              <a:rPr lang="en-US" dirty="0">
+                <a:latin typeface="Times New Roman" panose="02020603050405020304" pitchFamily="18" charset="0"/>
+                <a:cs typeface="Times New Roman" panose="02020603050405020304" pitchFamily="18" charset="0"/>
+              </a:rPr>
+              <a:t>Intel Core i9-14900KF</a:t>
+            </a:r>
+          </a:p>
+          <a:p>
+            <a:pPr lvl="1"/>
+            <a:r>
+              <a:rPr lang="ru-RU" dirty="0">
+                <a:latin typeface="Times New Roman" panose="02020603050405020304" pitchFamily="18" charset="0"/>
+                <a:cs typeface="Times New Roman" panose="02020603050405020304" pitchFamily="18" charset="0"/>
+              </a:rPr>
+              <a:t>Оперативная память:</a:t>
+            </a:r>
+            <a:r>
+              <a:rPr lang="en-US" dirty="0">
+                <a:latin typeface="Times New Roman" panose="02020603050405020304" pitchFamily="18" charset="0"/>
+                <a:cs typeface="Times New Roman" panose="02020603050405020304" pitchFamily="18" charset="0"/>
+              </a:rPr>
+              <a:t> 64Gb DDR5 (2x32Gb)</a:t>
+            </a:r>
+          </a:p>
+          <a:p>
+            <a:pPr lvl="1"/>
+            <a:endParaRPr lang="ru-RU" dirty="0">
+              <a:latin typeface="Times New Roman" panose="02020603050405020304" pitchFamily="18" charset="0"/>
+              <a:cs typeface="Times New Roman" panose="02020603050405020304" pitchFamily="18" charset="0"/>
+            </a:endParaRPr>
+          </a:p>
+        </p:txBody>
+      </p:sp>
+    </p:spTree>
+    <p:extLst>
+      <p:ext uri="{BB962C8B-B14F-4D97-AF65-F5344CB8AC3E}">
+        <p14:creationId xmlns:p14="http://schemas.microsoft.com/office/powerpoint/2010/main" val="809523970"/>
+      </p:ext>
+    </p:extLst>
+  </p:cSld>
+  <p:clrMapOvr>
+    <a:masterClrMapping/>
+  </p:clrMapOvr>
+</p:sld>
+</file>
+
+<file path=ppt/slides/slide9.xml><?xml version="1.0" encoding="utf-8"?>
+<p:sld xmlns:a="http://schemas.openxmlformats.org/drawingml/2006/main" xmlns:r="http://schemas.openxmlformats.org/officeDocument/2006/relationships" xmlns:p="http://schemas.openxmlformats.org/presentationml/2006/main">
+  <p:cSld>
+    <p:spTree>
+      <p:nvGrpSpPr>
+        <p:cNvPr id="1" name=""/>
+        <p:cNvGrpSpPr/>
+        <p:nvPr/>
+      </p:nvGrpSpPr>
+      <p:grpSpPr>
+        <a:xfrm>
+          <a:off x="0" y="0"/>
+          <a:ext cx="0" cy="0"/>
+          <a:chOff x="0" y="0"/>
+          <a:chExt cx="0" cy="0"/>
+        </a:xfrm>
+      </p:grpSpPr>
+      <p:sp>
+        <p:nvSpPr>
+          <p:cNvPr id="2" name="Title 1">
+            <a:extLst>
+              <a:ext uri="{FF2B5EF4-FFF2-40B4-BE49-F238E27FC236}">
+                <a16:creationId xmlns:a16="http://schemas.microsoft.com/office/drawing/2014/main" id="{D2FEF2E0-822C-E190-722B-832CE5A04D46}"/>
+              </a:ext>
+            </a:extLst>
+          </p:cNvPr>
+          <p:cNvSpPr>
+            <a:spLocks noGrp="1"/>
+          </p:cNvSpPr>
+          <p:nvPr>
+            <p:ph type="title"/>
+          </p:nvPr>
+        </p:nvSpPr>
+        <p:spPr/>
+        <p:txBody>
+          <a:bodyPr/>
+          <a:lstStyle/>
+          <a:p>
+            <a:r>
+              <a:rPr lang="ru-RU" dirty="0">
+                <a:latin typeface="Times New Roman" panose="02020603050405020304" pitchFamily="18" charset="0"/>
+                <a:cs typeface="Times New Roman" panose="02020603050405020304" pitchFamily="18" charset="0"/>
+              </a:rPr>
+              <a:t>Результаты обучения</a:t>
+            </a:r>
+          </a:p>
+        </p:txBody>
+      </p:sp>
+      <p:pic>
+        <p:nvPicPr>
+          <p:cNvPr id="5" name="Content Placeholder 4">
+            <a:extLst>
+              <a:ext uri="{FF2B5EF4-FFF2-40B4-BE49-F238E27FC236}">
+                <a16:creationId xmlns:a16="http://schemas.microsoft.com/office/drawing/2014/main" id="{2A16F276-65BE-0197-1A2E-984AB6078E26}"/>
+              </a:ext>
+            </a:extLst>
+          </p:cNvPr>
+          <p:cNvPicPr>
+            <a:picLocks noGrp="1" noChangeAspect="1"/>
+          </p:cNvPicPr>
+          <p:nvPr>
+            <p:ph idx="1"/>
+          </p:nvPr>
+        </p:nvPicPr>
+        <p:blipFill>
+          <a:blip r:embed="rId2"/>
+          <a:stretch>
+            <a:fillRect/>
+          </a:stretch>
+        </p:blipFill>
+        <p:spPr>
+          <a:xfrm>
+            <a:off x="2763146" y="1690688"/>
+            <a:ext cx="6665707" cy="5027438"/>
+          </a:xfrm>
+        </p:spPr>
+      </p:pic>
+    </p:spTree>
+    <p:extLst>
+      <p:ext uri="{BB962C8B-B14F-4D97-AF65-F5344CB8AC3E}">
+        <p14:creationId xmlns:p14="http://schemas.microsoft.com/office/powerpoint/2010/main" val="222754879"/>
       </p:ext>
     </p:extLst>
   </p:cSld>

--- a/src_latex/present.pptx
+++ b/src_latex/present.pptx
@@ -15,8 +15,9 @@
     <p:sldId id="264" r:id="rId9"/>
     <p:sldId id="262" r:id="rId10"/>
     <p:sldId id="267" r:id="rId11"/>
-    <p:sldId id="265" r:id="rId12"/>
-    <p:sldId id="266" r:id="rId13"/>
+    <p:sldId id="268" r:id="rId12"/>
+    <p:sldId id="265" r:id="rId13"/>
+    <p:sldId id="266" r:id="rId14"/>
   </p:sldIdLst>
   <p:sldSz cx="12192000" cy="6858000"/>
   <p:notesSz cx="6858000" cy="9144000"/>
@@ -3653,6 +3654,98 @@
           <p:cNvPr id="2" name="Title 1">
             <a:extLst>
               <a:ext uri="{FF2B5EF4-FFF2-40B4-BE49-F238E27FC236}">
+                <a16:creationId xmlns:a16="http://schemas.microsoft.com/office/drawing/2014/main" id="{94D51B32-B166-3937-46D6-5174D74DA5A0}"/>
+              </a:ext>
+            </a:extLst>
+          </p:cNvPr>
+          <p:cNvSpPr>
+            <a:spLocks noGrp="1"/>
+          </p:cNvSpPr>
+          <p:nvPr>
+            <p:ph type="title"/>
+          </p:nvPr>
+        </p:nvSpPr>
+        <p:spPr/>
+        <p:txBody>
+          <a:bodyPr/>
+          <a:lstStyle/>
+          <a:p>
+            <a:r>
+              <a:rPr lang="ru-RU" dirty="0"/>
+              <a:t>Скорость решения</a:t>
+            </a:r>
+          </a:p>
+        </p:txBody>
+      </p:sp>
+      <p:pic>
+        <p:nvPicPr>
+          <p:cNvPr id="7" name="Content Placeholder 6">
+            <a:extLst>
+              <a:ext uri="{FF2B5EF4-FFF2-40B4-BE49-F238E27FC236}">
+                <a16:creationId xmlns:a16="http://schemas.microsoft.com/office/drawing/2014/main" id="{B409E346-1CB5-81E4-8022-2710F53822DB}"/>
+              </a:ext>
+            </a:extLst>
+          </p:cNvPr>
+          <p:cNvPicPr>
+            <a:picLocks noGrp="1" noChangeAspect="1"/>
+          </p:cNvPicPr>
+          <p:nvPr>
+            <p:ph idx="1"/>
+          </p:nvPr>
+        </p:nvPicPr>
+        <p:blipFill>
+          <a:blip r:embed="rId2">
+            <a:extLst>
+              <a:ext uri="{28A0092B-C50C-407E-A947-70E740481C1C}">
+                <a14:useLocalDpi xmlns:a14="http://schemas.microsoft.com/office/drawing/2010/main" val="0"/>
+              </a:ext>
+            </a:extLst>
+          </a:blip>
+          <a:srcRect/>
+          <a:stretch/>
+        </p:blipFill>
+        <p:spPr>
+          <a:xfrm>
+            <a:off x="5672755" y="0"/>
+            <a:ext cx="6519246" cy="6858000"/>
+          </a:xfrm>
+        </p:spPr>
+      </p:pic>
+    </p:spTree>
+    <p:extLst>
+      <p:ext uri="{BB962C8B-B14F-4D97-AF65-F5344CB8AC3E}">
+        <p14:creationId xmlns:p14="http://schemas.microsoft.com/office/powerpoint/2010/main" val="3155423242"/>
+      </p:ext>
+    </p:extLst>
+  </p:cSld>
+  <p:clrMapOvr>
+    <a:masterClrMapping/>
+  </p:clrMapOvr>
+</p:sld>
+</file>
+
+<file path=ppt/slides/slide12.xml><?xml version="1.0" encoding="utf-8"?>
+<p:sld xmlns:a="http://schemas.openxmlformats.org/drawingml/2006/main" xmlns:r="http://schemas.openxmlformats.org/officeDocument/2006/relationships" xmlns:p="http://schemas.openxmlformats.org/presentationml/2006/main">
+  <p:cSld>
+    <p:spTree>
+      <p:nvGrpSpPr>
+        <p:cNvPr id="1" name=""/>
+        <p:cNvGrpSpPr/>
+        <p:nvPr/>
+      </p:nvGrpSpPr>
+      <p:grpSpPr>
+        <a:xfrm>
+          <a:off x="0" y="0"/>
+          <a:ext cx="0" cy="0"/>
+          <a:chOff x="0" y="0"/>
+          <a:chExt cx="0" cy="0"/>
+        </a:xfrm>
+      </p:grpSpPr>
+      <p:sp>
+        <p:nvSpPr>
+          <p:cNvPr id="2" name="Title 1">
+            <a:extLst>
+              <a:ext uri="{FF2B5EF4-FFF2-40B4-BE49-F238E27FC236}">
                 <a16:creationId xmlns:a16="http://schemas.microsoft.com/office/drawing/2014/main" id="{D2FEF2E0-822C-E190-722B-832CE5A04D46}"/>
               </a:ext>
             </a:extLst>
@@ -3723,7 +3816,7 @@
                 <a:latin typeface="Times New Roman" panose="02020603050405020304" pitchFamily="18" charset="0"/>
                 <a:cs typeface="Times New Roman" panose="02020603050405020304" pitchFamily="18" charset="0"/>
               </a:rPr>
-              <a:t>Среднее значение остатка: 0,007929458</a:t>
+              <a:t>Среднее значение остатка: 0,0079</a:t>
             </a:r>
             <a:endParaRPr lang="en-US" dirty="0">
               <a:latin typeface="Times New Roman" panose="02020603050405020304" pitchFamily="18" charset="0"/>
@@ -3736,7 +3829,21 @@
                 <a:latin typeface="Times New Roman" panose="02020603050405020304" pitchFamily="18" charset="0"/>
                 <a:cs typeface="Times New Roman" panose="02020603050405020304" pitchFamily="18" charset="0"/>
               </a:rPr>
-              <a:t>Относительная погрешность L2 в u: 0,00041917883026130803</a:t>
+              <a:t>Относительная погрешность L2 в u: 0</a:t>
+            </a:r>
+            <a:r>
+              <a:rPr lang="en-US" dirty="0">
+                <a:latin typeface="Times New Roman" panose="02020603050405020304" pitchFamily="18" charset="0"/>
+                <a:cs typeface="Times New Roman" panose="02020603050405020304" pitchFamily="18" charset="0"/>
+              </a:rPr>
+              <a:t>.</a:t>
+            </a:r>
+            <a:r>
+              <a:rPr lang="ru-RU" dirty="0">
+                <a:latin typeface="Times New Roman" panose="02020603050405020304" pitchFamily="18" charset="0"/>
+                <a:cs typeface="Times New Roman" panose="02020603050405020304" pitchFamily="18" charset="0"/>
+              </a:rPr>
+              <a:t>000419</a:t>
             </a:r>
             <a:endParaRPr lang="en-US" dirty="0">
               <a:latin typeface="Times New Roman" panose="02020603050405020304" pitchFamily="18" charset="0"/>
@@ -3749,7 +3856,21 @@
                 <a:latin typeface="Times New Roman" panose="02020603050405020304" pitchFamily="18" charset="0"/>
                 <a:cs typeface="Times New Roman" panose="02020603050405020304" pitchFamily="18" charset="0"/>
               </a:rPr>
-              <a:t>Относительная погрешность L2 в v: 0,00038469082252401253</a:t>
+              <a:t>Относительная погрешность L2 в v: 0</a:t>
+            </a:r>
+            <a:r>
+              <a:rPr lang="en-US" dirty="0">
+                <a:latin typeface="Times New Roman" panose="02020603050405020304" pitchFamily="18" charset="0"/>
+                <a:cs typeface="Times New Roman" panose="02020603050405020304" pitchFamily="18" charset="0"/>
+              </a:rPr>
+              <a:t>.</a:t>
+            </a:r>
+            <a:r>
+              <a:rPr lang="ru-RU" dirty="0">
+                <a:latin typeface="Times New Roman" panose="02020603050405020304" pitchFamily="18" charset="0"/>
+                <a:cs typeface="Times New Roman" panose="02020603050405020304" pitchFamily="18" charset="0"/>
+              </a:rPr>
+              <a:t>000384</a:t>
             </a:r>
             <a:endParaRPr lang="en-US" dirty="0">
               <a:latin typeface="Times New Roman" panose="02020603050405020304" pitchFamily="18" charset="0"/>
@@ -3762,7 +3883,21 @@
                 <a:latin typeface="Times New Roman" panose="02020603050405020304" pitchFamily="18" charset="0"/>
                 <a:cs typeface="Times New Roman" panose="02020603050405020304" pitchFamily="18" charset="0"/>
               </a:rPr>
-              <a:t>Относительная погрешность L2 в w: 0,000385670664211724</a:t>
+              <a:t>Относительная погрешность L2 в w: 0</a:t>
+            </a:r>
+            <a:r>
+              <a:rPr lang="en-US" dirty="0">
+                <a:latin typeface="Times New Roman" panose="02020603050405020304" pitchFamily="18" charset="0"/>
+                <a:cs typeface="Times New Roman" panose="02020603050405020304" pitchFamily="18" charset="0"/>
+              </a:rPr>
+              <a:t>.</a:t>
+            </a:r>
+            <a:r>
+              <a:rPr lang="ru-RU" dirty="0">
+                <a:latin typeface="Times New Roman" panose="02020603050405020304" pitchFamily="18" charset="0"/>
+                <a:cs typeface="Times New Roman" panose="02020603050405020304" pitchFamily="18" charset="0"/>
+              </a:rPr>
+              <a:t>000385</a:t>
             </a:r>
             <a:endParaRPr lang="en-US" dirty="0">
               <a:latin typeface="Times New Roman" panose="02020603050405020304" pitchFamily="18" charset="0"/>
@@ -3791,7 +3926,7 @@
                 <a:latin typeface="Times New Roman" panose="02020603050405020304" pitchFamily="18" charset="0"/>
                 <a:cs typeface="Times New Roman" panose="02020603050405020304" pitchFamily="18" charset="0"/>
               </a:rPr>
-              <a:t>Среднее значение остатка: 0,0039168377</a:t>
+              <a:t>Среднее значение остатка: 0,0039</a:t>
             </a:r>
             <a:endParaRPr lang="en-US" dirty="0">
               <a:latin typeface="Times New Roman" panose="02020603050405020304" pitchFamily="18" charset="0"/>
@@ -3804,7 +3939,21 @@
                 <a:latin typeface="Times New Roman" panose="02020603050405020304" pitchFamily="18" charset="0"/>
                 <a:cs typeface="Times New Roman" panose="02020603050405020304" pitchFamily="18" charset="0"/>
               </a:rPr>
-              <a:t>Относительная погрешность L2 в u: 0,0012206608559471044</a:t>
+              <a:t>Относительная погрешность L2 в u: 0</a:t>
+            </a:r>
+            <a:r>
+              <a:rPr lang="en-US" dirty="0">
+                <a:latin typeface="Times New Roman" panose="02020603050405020304" pitchFamily="18" charset="0"/>
+                <a:cs typeface="Times New Roman" panose="02020603050405020304" pitchFamily="18" charset="0"/>
+              </a:rPr>
+              <a:t>.</a:t>
+            </a:r>
+            <a:r>
+              <a:rPr lang="ru-RU" dirty="0">
+                <a:latin typeface="Times New Roman" panose="02020603050405020304" pitchFamily="18" charset="0"/>
+                <a:cs typeface="Times New Roman" panose="02020603050405020304" pitchFamily="18" charset="0"/>
+              </a:rPr>
+              <a:t>00122</a:t>
             </a:r>
             <a:endParaRPr lang="en-US" dirty="0">
               <a:latin typeface="Times New Roman" panose="02020603050405020304" pitchFamily="18" charset="0"/>
@@ -3817,7 +3966,21 @@
                 <a:latin typeface="Times New Roman" panose="02020603050405020304" pitchFamily="18" charset="0"/>
                 <a:cs typeface="Times New Roman" panose="02020603050405020304" pitchFamily="18" charset="0"/>
               </a:rPr>
-              <a:t>Относительная погрешность L2 в v: 0,0009198581299199083</a:t>
+              <a:t>Относительная погрешность L2 в v: 0</a:t>
+            </a:r>
+            <a:r>
+              <a:rPr lang="en-US" dirty="0">
+                <a:latin typeface="Times New Roman" panose="02020603050405020304" pitchFamily="18" charset="0"/>
+                <a:cs typeface="Times New Roman" panose="02020603050405020304" pitchFamily="18" charset="0"/>
+              </a:rPr>
+              <a:t>.</a:t>
+            </a:r>
+            <a:r>
+              <a:rPr lang="ru-RU" dirty="0">
+                <a:latin typeface="Times New Roman" panose="02020603050405020304" pitchFamily="18" charset="0"/>
+                <a:cs typeface="Times New Roman" panose="02020603050405020304" pitchFamily="18" charset="0"/>
+              </a:rPr>
+              <a:t>000919</a:t>
             </a:r>
             <a:endParaRPr lang="en-US" dirty="0">
               <a:latin typeface="Times New Roman" panose="02020603050405020304" pitchFamily="18" charset="0"/>
@@ -3830,7 +3993,21 @@
                 <a:latin typeface="Times New Roman" panose="02020603050405020304" pitchFamily="18" charset="0"/>
                 <a:cs typeface="Times New Roman" panose="02020603050405020304" pitchFamily="18" charset="0"/>
               </a:rPr>
-              <a:t>Относительная погрешность L2 в w: 0,0017863327901830245</a:t>
+              <a:t>Относительная погрешность L2 в w: 0</a:t>
+            </a:r>
+            <a:r>
+              <a:rPr lang="en-US" dirty="0">
+                <a:latin typeface="Times New Roman" panose="02020603050405020304" pitchFamily="18" charset="0"/>
+                <a:cs typeface="Times New Roman" panose="02020603050405020304" pitchFamily="18" charset="0"/>
+              </a:rPr>
+              <a:t>.</a:t>
+            </a:r>
+            <a:r>
+              <a:rPr lang="ru-RU" dirty="0">
+                <a:latin typeface="Times New Roman" panose="02020603050405020304" pitchFamily="18" charset="0"/>
+                <a:cs typeface="Times New Roman" panose="02020603050405020304" pitchFamily="18" charset="0"/>
+              </a:rPr>
+              <a:t>001786</a:t>
             </a:r>
           </a:p>
         </p:txBody>
@@ -3848,7 +4025,7 @@
 </p:sld>
 </file>
 
-<file path=ppt/slides/slide12.xml><?xml version="1.0" encoding="utf-8"?>
+<file path=ppt/slides/slide13.xml><?xml version="1.0" encoding="utf-8"?>
 <p:sld xmlns:a="http://schemas.openxmlformats.org/drawingml/2006/main" xmlns:r="http://schemas.openxmlformats.org/officeDocument/2006/relationships" xmlns:p="http://schemas.openxmlformats.org/presentationml/2006/main">
   <p:cSld>
     <p:spTree>
@@ -4409,6 +4586,15 @@
             </a:r>
           </a:p>
           <a:p>
+            <a:r>
+              <a:rPr lang="ru-RU" dirty="0">
+                <a:latin typeface="Times New Roman" panose="02020603050405020304" pitchFamily="18" charset="0"/>
+                <a:cs typeface="Times New Roman" panose="02020603050405020304" pitchFamily="18" charset="0"/>
+              </a:rPr>
+              <a:t>Количество скрытых слоев и нейронов</a:t>
+            </a:r>
+          </a:p>
+          <a:p>
             <a:endParaRPr lang="ru-RU" dirty="0">
               <a:latin typeface="Times New Roman" panose="02020603050405020304" pitchFamily="18" charset="0"/>
               <a:cs typeface="Times New Roman" panose="02020603050405020304" pitchFamily="18" charset="0"/>
@@ -4427,18 +4613,12 @@
             </a:endParaRPr>
           </a:p>
           <a:p>
-            <a:endParaRPr lang="ru-RU" dirty="0">
-              <a:latin typeface="Times New Roman" panose="02020603050405020304" pitchFamily="18" charset="0"/>
-              <a:cs typeface="Times New Roman" panose="02020603050405020304" pitchFamily="18" charset="0"/>
-            </a:endParaRPr>
-          </a:p>
-          <a:p>
-            <a:r>
-              <a:rPr lang="ru-RU" dirty="0">
-                <a:latin typeface="Times New Roman" panose="02020603050405020304" pitchFamily="18" charset="0"/>
-                <a:cs typeface="Times New Roman" panose="02020603050405020304" pitchFamily="18" charset="0"/>
-              </a:rPr>
-              <a:t>Рандом</a:t>
+            <a:r>
+              <a:rPr lang="ru-RU" dirty="0">
+                <a:latin typeface="Times New Roman" panose="02020603050405020304" pitchFamily="18" charset="0"/>
+                <a:cs typeface="Times New Roman" panose="02020603050405020304" pitchFamily="18" charset="0"/>
+              </a:rPr>
+              <a:t>Рандомц</a:t>
             </a:r>
           </a:p>
         </p:txBody>
@@ -4685,16 +4865,39 @@
           </a:p>
           <a:p>
             <a:r>
-              <a:rPr lang="ru-RU">
+              <a:rPr lang="ru-RU" dirty="0">
                 <a:latin typeface="Times New Roman" panose="02020603050405020304" pitchFamily="18" charset="0"/>
                 <a:cs typeface="Times New Roman" panose="02020603050405020304" pitchFamily="18" charset="0"/>
               </a:rPr>
               <a:t>На данный момент вычислительные мощности не позволяют решать сложные задачи с помощью нейронных сетей</a:t>
             </a:r>
-            <a:endParaRPr lang="ru-RU" dirty="0">
+            <a:endParaRPr lang="en-US" dirty="0">
               <a:latin typeface="Times New Roman" panose="02020603050405020304" pitchFamily="18" charset="0"/>
               <a:cs typeface="Times New Roman" panose="02020603050405020304" pitchFamily="18" charset="0"/>
             </a:endParaRPr>
+          </a:p>
+          <a:p>
+            <a:r>
+              <a:rPr lang="ru-RU" dirty="0">
+                <a:latin typeface="Times New Roman" panose="02020603050405020304" pitchFamily="18" charset="0"/>
+                <a:cs typeface="Times New Roman" panose="02020603050405020304" pitchFamily="18" charset="0"/>
+              </a:rPr>
+              <a:t>Требует много оперативной памяти для большого количества точек (в моем случае около 8 </a:t>
+            </a:r>
+            <a:r>
+              <a:rPr lang="en-US" dirty="0">
+                <a:latin typeface="Times New Roman" panose="02020603050405020304" pitchFamily="18" charset="0"/>
+                <a:cs typeface="Times New Roman" panose="02020603050405020304" pitchFamily="18" charset="0"/>
+              </a:rPr>
+              <a:t>Gb </a:t>
+            </a:r>
+            <a:r>
+              <a:rPr lang="ru-RU" dirty="0">
+                <a:latin typeface="Times New Roman" panose="02020603050405020304" pitchFamily="18" charset="0"/>
+                <a:cs typeface="Times New Roman" panose="02020603050405020304" pitchFamily="18" charset="0"/>
+              </a:rPr>
+              <a:t>для 8000000 точек)</a:t>
+            </a:r>
           </a:p>
         </p:txBody>
       </p:sp>
@@ -5150,7 +5353,7 @@
         <p:spPr/>
         <p:txBody>
           <a:bodyPr>
-            <a:normAutofit lnSpcReduction="10000"/>
+            <a:normAutofit fontScale="70000" lnSpcReduction="20000"/>
           </a:bodyPr>
           <a:lstStyle/>
           <a:p>
@@ -5187,6 +5390,177 @@
                 <a:cs typeface="Times New Roman" panose="02020603050405020304" pitchFamily="18" charset="0"/>
               </a:rPr>
               <a:t>Все ошибки по граничным условиям шли с весом 100, уравнения – с весом 1</a:t>
+            </a:r>
+          </a:p>
+          <a:p>
+            <a:r>
+              <a:rPr lang="ru-RU" dirty="0">
+                <a:latin typeface="Times New Roman" panose="02020603050405020304" pitchFamily="18" charset="0"/>
+                <a:cs typeface="Times New Roman" panose="02020603050405020304" pitchFamily="18" charset="0"/>
+              </a:rPr>
+              <a:t>Архитектура модели:</a:t>
+            </a:r>
+          </a:p>
+          <a:p>
+            <a:pPr lvl="1"/>
+            <a:r>
+              <a:rPr lang="ru-RU" dirty="0">
+                <a:latin typeface="Times New Roman" panose="02020603050405020304" pitchFamily="18" charset="0"/>
+                <a:cs typeface="Times New Roman" panose="02020603050405020304" pitchFamily="18" charset="0"/>
+              </a:rPr>
+              <a:t>4 скрытых слоя по 50 нейронов с функцией активации </a:t>
+            </a:r>
+            <a:r>
+              <a:rPr lang="en-US" dirty="0">
+                <a:latin typeface="Times New Roman" panose="02020603050405020304" pitchFamily="18" charset="0"/>
+                <a:cs typeface="Times New Roman" panose="02020603050405020304" pitchFamily="18" charset="0"/>
+              </a:rPr>
+              <a:t>tanh</a:t>
+            </a:r>
+          </a:p>
+          <a:p>
+            <a:pPr lvl="1"/>
+            <a:r>
+              <a:rPr lang="en-US" dirty="0">
+                <a:latin typeface="Times New Roman" panose="02020603050405020304" pitchFamily="18" charset="0"/>
+                <a:cs typeface="Times New Roman" panose="02020603050405020304" pitchFamily="18" charset="0"/>
+              </a:rPr>
+              <a:t>50000 </a:t>
+            </a:r>
+            <a:r>
+              <a:rPr lang="ru-RU" dirty="0">
+                <a:latin typeface="Times New Roman" panose="02020603050405020304" pitchFamily="18" charset="0"/>
+                <a:cs typeface="Times New Roman" panose="02020603050405020304" pitchFamily="18" charset="0"/>
+              </a:rPr>
+              <a:t>точек на все пространство</a:t>
+            </a:r>
+            <a:r>
+              <a:rPr lang="en-US" dirty="0">
+                <a:latin typeface="Times New Roman" panose="02020603050405020304" pitchFamily="18" charset="0"/>
+                <a:cs typeface="Times New Roman" panose="02020603050405020304" pitchFamily="18" charset="0"/>
+              </a:rPr>
+              <a:t> </a:t>
+            </a:r>
+            <a:r>
+              <a:rPr lang="ru-RU" dirty="0">
+                <a:latin typeface="Times New Roman" panose="02020603050405020304" pitchFamily="18" charset="0"/>
+                <a:cs typeface="Times New Roman" panose="02020603050405020304" pitchFamily="18" charset="0"/>
+              </a:rPr>
+              <a:t>(</a:t>
+            </a:r>
+            <a:r>
+              <a:rPr lang="en-US" dirty="0" err="1">
+                <a:latin typeface="Times New Roman" panose="02020603050405020304" pitchFamily="18" charset="0"/>
+                <a:cs typeface="Times New Roman" panose="02020603050405020304" pitchFamily="18" charset="0"/>
+              </a:rPr>
+              <a:t>num_domain</a:t>
+            </a:r>
+            <a:r>
+              <a:rPr lang="ru-RU" dirty="0">
+                <a:latin typeface="Times New Roman" panose="02020603050405020304" pitchFamily="18" charset="0"/>
+                <a:cs typeface="Times New Roman" panose="02020603050405020304" pitchFamily="18" charset="0"/>
+              </a:rPr>
+              <a:t>)</a:t>
+            </a:r>
+          </a:p>
+          <a:p>
+            <a:pPr lvl="1"/>
+            <a:r>
+              <a:rPr lang="ru-RU" dirty="0">
+                <a:latin typeface="Times New Roman" panose="02020603050405020304" pitchFamily="18" charset="0"/>
+                <a:cs typeface="Times New Roman" panose="02020603050405020304" pitchFamily="18" charset="0"/>
+              </a:rPr>
+              <a:t>5000 на границы</a:t>
+            </a:r>
+            <a:r>
+              <a:rPr lang="en-US" dirty="0">
+                <a:latin typeface="Times New Roman" panose="02020603050405020304" pitchFamily="18" charset="0"/>
+                <a:cs typeface="Times New Roman" panose="02020603050405020304" pitchFamily="18" charset="0"/>
+              </a:rPr>
+              <a:t> </a:t>
+            </a:r>
+            <a:r>
+              <a:rPr lang="ru-RU" dirty="0">
+                <a:latin typeface="Times New Roman" panose="02020603050405020304" pitchFamily="18" charset="0"/>
+                <a:cs typeface="Times New Roman" panose="02020603050405020304" pitchFamily="18" charset="0"/>
+              </a:rPr>
+              <a:t>(</a:t>
+            </a:r>
+            <a:r>
+              <a:rPr lang="en-US" dirty="0" err="1">
+                <a:latin typeface="Times New Roman" panose="02020603050405020304" pitchFamily="18" charset="0"/>
+                <a:cs typeface="Times New Roman" panose="02020603050405020304" pitchFamily="18" charset="0"/>
+              </a:rPr>
+              <a:t>num_boundary</a:t>
+            </a:r>
+            <a:r>
+              <a:rPr lang="ru-RU" dirty="0">
+                <a:latin typeface="Times New Roman" panose="02020603050405020304" pitchFamily="18" charset="0"/>
+                <a:cs typeface="Times New Roman" panose="02020603050405020304" pitchFamily="18" charset="0"/>
+              </a:rPr>
+              <a:t>)</a:t>
+            </a:r>
+          </a:p>
+          <a:p>
+            <a:pPr lvl="1"/>
+            <a:r>
+              <a:rPr lang="ru-RU" dirty="0">
+                <a:latin typeface="Times New Roman" panose="02020603050405020304" pitchFamily="18" charset="0"/>
+                <a:cs typeface="Times New Roman" panose="02020603050405020304" pitchFamily="18" charset="0"/>
+              </a:rPr>
+              <a:t>5000 на начальные условия</a:t>
+            </a:r>
+            <a:r>
+              <a:rPr lang="en-US" dirty="0">
+                <a:latin typeface="Times New Roman" panose="02020603050405020304" pitchFamily="18" charset="0"/>
+                <a:cs typeface="Times New Roman" panose="02020603050405020304" pitchFamily="18" charset="0"/>
+              </a:rPr>
+              <a:t> </a:t>
+            </a:r>
+            <a:r>
+              <a:rPr lang="ru-RU" dirty="0">
+                <a:latin typeface="Times New Roman" panose="02020603050405020304" pitchFamily="18" charset="0"/>
+                <a:cs typeface="Times New Roman" panose="02020603050405020304" pitchFamily="18" charset="0"/>
+              </a:rPr>
+              <a:t>(</a:t>
+            </a:r>
+            <a:r>
+              <a:rPr lang="en-US" dirty="0" err="1">
+                <a:latin typeface="Times New Roman" panose="02020603050405020304" pitchFamily="18" charset="0"/>
+                <a:cs typeface="Times New Roman" panose="02020603050405020304" pitchFamily="18" charset="0"/>
+              </a:rPr>
+              <a:t>num_initial</a:t>
+            </a:r>
+            <a:r>
+              <a:rPr lang="ru-RU" dirty="0">
+                <a:latin typeface="Times New Roman" panose="02020603050405020304" pitchFamily="18" charset="0"/>
+                <a:cs typeface="Times New Roman" panose="02020603050405020304" pitchFamily="18" charset="0"/>
+              </a:rPr>
+              <a:t>)</a:t>
+            </a:r>
+          </a:p>
+          <a:p>
+            <a:pPr lvl="1"/>
+            <a:r>
+              <a:rPr lang="ru-RU" dirty="0">
+                <a:latin typeface="Times New Roman" panose="02020603050405020304" pitchFamily="18" charset="0"/>
+                <a:cs typeface="Times New Roman" panose="02020603050405020304" pitchFamily="18" charset="0"/>
+              </a:rPr>
+              <a:t>10000 на тестовую выборку (</a:t>
+            </a:r>
+            <a:r>
+              <a:rPr lang="en-US" dirty="0" err="1">
+                <a:latin typeface="Times New Roman" panose="02020603050405020304" pitchFamily="18" charset="0"/>
+                <a:cs typeface="Times New Roman" panose="02020603050405020304" pitchFamily="18" charset="0"/>
+              </a:rPr>
+              <a:t>num_test</a:t>
+            </a:r>
+            <a:r>
+              <a:rPr lang="ru-RU" dirty="0">
+                <a:latin typeface="Times New Roman" panose="02020603050405020304" pitchFamily="18" charset="0"/>
+                <a:cs typeface="Times New Roman" panose="02020603050405020304" pitchFamily="18" charset="0"/>
+              </a:rPr>
+              <a:t>)</a:t>
             </a:r>
           </a:p>
           <a:p>
